--- a/PHClassWRMd.pptx
+++ b/PHClassWRMd.pptx
@@ -27,6 +27,11 @@
     <p:sldId id="275" r:id="rId21"/>
     <p:sldId id="276" r:id="rId22"/>
     <p:sldId id="277" r:id="rId23"/>
+    <p:sldId id="278" r:id="rId24"/>
+    <p:sldId id="279" r:id="rId25"/>
+    <p:sldId id="280" r:id="rId26"/>
+    <p:sldId id="281" r:id="rId27"/>
+    <p:sldId id="282" r:id="rId28"/>
   </p:sldIdLst>
   <p:sldSz cx="12192000" cy="6858000"/>
   <p:notesSz cx="6858000" cy="9144000"/>
@@ -3673,6 +3678,644 @@
             </a:pPr>
             <a:r>
               <a:rPr/>
+              <a:t>Medical</a:t>
+            </a:r>
+            <a:r>
+              <a:rPr/>
+              <a:t> </a:t>
+            </a:r>
+            <a:r>
+              <a:rPr/>
+              <a:t>Statistic</a:t>
+            </a:r>
+            <a:r>
+              <a:rPr/>
+              <a:t> </a:t>
+            </a:r>
+            <a:r>
+              <a:rPr/>
+              <a:t>with</a:t>
+            </a:r>
+            <a:r>
+              <a:rPr/>
+              <a:t> </a:t>
+            </a:r>
+            <a:r>
+              <a:rPr/>
+              <a:t>SPSS</a:t>
+            </a:r>
+          </a:p>
+        </p:txBody>
+      </p:sp>
+      <p:pic>
+        <p:nvPicPr>
+          <p:cNvPr descr="spss%20logistic%20regression%20example.png" id="0" name="Picture 1"/>
+          <p:cNvPicPr>
+            <a:picLocks noGrp="1" noChangeAspect="1"/>
+          </p:cNvPicPr>
+          <p:nvPr/>
+        </p:nvPicPr>
+        <p:blipFill>
+          <a:blip r:embed="rId2"/>
+          <a:stretch>
+            <a:fillRect/>
+          </a:stretch>
+        </p:blipFill>
+        <p:spPr bwMode="auto">
+          <a:xfrm>
+            <a:off x="3517900" y="1816100"/>
+            <a:ext cx="5156200" cy="4343400"/>
+          </a:xfrm>
+          <a:prstGeom prst="rect">
+            <a:avLst/>
+          </a:prstGeom>
+          <a:noFill/>
+          <a:ln w="9525">
+            <a:noFill/>
+            <a:headEnd/>
+            <a:tailEnd/>
+          </a:ln>
+        </p:spPr>
+      </p:pic>
+    </p:spTree>
+  </p:cSld>
+</p:sld>
+</file>
+
+<file path=ppt/slides/slide11.xml><?xml version="1.0" encoding="utf-8"?>
+<p:sld xmlns:a="http://schemas.openxmlformats.org/drawingml/2006/main" xmlns:r="http://schemas.openxmlformats.org/officeDocument/2006/relationships" xmlns:p="http://schemas.openxmlformats.org/presentationml/2006/main">
+  <p:cSld>
+    <p:spTree>
+      <p:nvGrpSpPr>
+        <p:cNvPr id="1" name=""/>
+        <p:cNvGrpSpPr/>
+        <p:nvPr/>
+      </p:nvGrpSpPr>
+      <p:grpSpPr>
+        <a:xfrm>
+          <a:off x="0" y="0"/>
+          <a:ext cx="0" cy="0"/>
+          <a:chOff x="0" y="0"/>
+          <a:chExt cx="0" cy="0"/>
+        </a:xfrm>
+      </p:grpSpPr>
+      <p:sp>
+        <p:nvSpPr>
+          <p:cNvPr id="2" name="Title 1">
+            <a:extLst>
+              <a:ext uri="{FF2B5EF4-FFF2-40B4-BE49-F238E27FC236}">
+                <a16:creationId xmlns:a16="http://schemas.microsoft.com/office/drawing/2014/main" id="{A7FC19B4-8A75-49C0-B653-AFBF531C8877}"/>
+              </a:ext>
+            </a:extLst>
+          </p:cNvPr>
+          <p:cNvSpPr>
+            <a:spLocks noGrp="1"/>
+          </p:cNvSpPr>
+          <p:nvPr>
+            <p:ph type="title"/>
+          </p:nvPr>
+        </p:nvSpPr>
+        <p:spPr/>
+        <p:txBody>
+          <a:bodyPr/>
+          <a:lstStyle/>
+          <a:p>
+            <a:pPr lvl="0" marL="0" indent="0">
+              <a:buNone/>
+            </a:pPr>
+            <a:r>
+              <a:rPr/>
+              <a:t>Medical</a:t>
+            </a:r>
+            <a:r>
+              <a:rPr/>
+              <a:t> </a:t>
+            </a:r>
+            <a:r>
+              <a:rPr/>
+              <a:t>Statistic</a:t>
+            </a:r>
+            <a:r>
+              <a:rPr/>
+              <a:t> </a:t>
+            </a:r>
+            <a:r>
+              <a:rPr/>
+              <a:t>with</a:t>
+            </a:r>
+            <a:r>
+              <a:rPr/>
+              <a:t> </a:t>
+            </a:r>
+            <a:r>
+              <a:rPr/>
+              <a:t>SPSS</a:t>
+            </a:r>
+          </a:p>
+        </p:txBody>
+      </p:sp>
+      <p:pic>
+        <p:nvPicPr>
+          <p:cNvPr descr="copy%20to%20word%20example.png" id="0" name="Picture 1"/>
+          <p:cNvPicPr>
+            <a:picLocks noGrp="1" noChangeAspect="1"/>
+          </p:cNvPicPr>
+          <p:nvPr/>
+        </p:nvPicPr>
+        <p:blipFill>
+          <a:blip r:embed="rId2"/>
+          <a:stretch>
+            <a:fillRect/>
+          </a:stretch>
+        </p:blipFill>
+        <p:spPr bwMode="auto">
+          <a:xfrm>
+            <a:off x="3530600" y="1816100"/>
+            <a:ext cx="5130800" cy="4343400"/>
+          </a:xfrm>
+          <a:prstGeom prst="rect">
+            <a:avLst/>
+          </a:prstGeom>
+          <a:noFill/>
+          <a:ln w="9525">
+            <a:noFill/>
+            <a:headEnd/>
+            <a:tailEnd/>
+          </a:ln>
+        </p:spPr>
+      </p:pic>
+    </p:spTree>
+  </p:cSld>
+</p:sld>
+</file>
+
+<file path=ppt/slides/slide12.xml><?xml version="1.0" encoding="utf-8"?>
+<p:sld xmlns:a="http://schemas.openxmlformats.org/drawingml/2006/main" xmlns:r="http://schemas.openxmlformats.org/officeDocument/2006/relationships" xmlns:p="http://schemas.openxmlformats.org/presentationml/2006/main">
+  <p:cSld>
+    <p:spTree>
+      <p:nvGrpSpPr>
+        <p:cNvPr id="1" name=""/>
+        <p:cNvGrpSpPr/>
+        <p:nvPr/>
+      </p:nvGrpSpPr>
+      <p:grpSpPr>
+        <a:xfrm>
+          <a:off x="0" y="0"/>
+          <a:ext cx="0" cy="0"/>
+          <a:chOff x="0" y="0"/>
+          <a:chExt cx="0" cy="0"/>
+        </a:xfrm>
+      </p:grpSpPr>
+      <p:sp>
+        <p:nvSpPr>
+          <p:cNvPr id="2" name="Title 1">
+            <a:extLst>
+              <a:ext uri="{FF2B5EF4-FFF2-40B4-BE49-F238E27FC236}">
+                <a16:creationId xmlns:a16="http://schemas.microsoft.com/office/drawing/2014/main" id="{A7FC19B4-8A75-49C0-B653-AFBF531C8877}"/>
+              </a:ext>
+            </a:extLst>
+          </p:cNvPr>
+          <p:cNvSpPr>
+            <a:spLocks noGrp="1"/>
+          </p:cNvSpPr>
+          <p:nvPr>
+            <p:ph type="title"/>
+          </p:nvPr>
+        </p:nvSpPr>
+        <p:spPr/>
+        <p:txBody>
+          <a:bodyPr/>
+          <a:lstStyle/>
+          <a:p>
+            <a:pPr lvl="0" marL="0" indent="0">
+              <a:buNone/>
+            </a:pPr>
+            <a:r>
+              <a:rPr/>
+              <a:t>What</a:t>
+            </a:r>
+            <a:r>
+              <a:rPr/>
+              <a:t> </a:t>
+            </a:r>
+            <a:r>
+              <a:rPr/>
+              <a:t>is</a:t>
+            </a:r>
+            <a:r>
+              <a:rPr/>
+              <a:t> </a:t>
+            </a:r>
+            <a:r>
+              <a:rPr/>
+              <a:t>R</a:t>
+            </a:r>
+            <a:r>
+              <a:rPr/>
+              <a:t> </a:t>
+            </a:r>
+            <a:r>
+              <a:rPr/>
+              <a:t>Markdown</a:t>
+            </a:r>
+          </a:p>
+        </p:txBody>
+      </p:sp>
+      <p:sp>
+        <p:nvSpPr>
+          <p:cNvPr id="3" name="Content Placeholder 2">
+            <a:extLst>
+              <a:ext uri="{FF2B5EF4-FFF2-40B4-BE49-F238E27FC236}">
+                <a16:creationId xmlns:a16="http://schemas.microsoft.com/office/drawing/2014/main" id="{64F42D58-57FC-4A61-A954-87FA5DD4768E}"/>
+              </a:ext>
+            </a:extLst>
+          </p:cNvPr>
+          <p:cNvSpPr>
+            <a:spLocks noGrp="1"/>
+          </p:cNvSpPr>
+          <p:nvPr>
+            <p:ph idx="1"/>
+          </p:nvPr>
+        </p:nvSpPr>
+        <p:spPr/>
+        <p:txBody>
+          <a:bodyPr/>
+          <a:lstStyle/>
+          <a:p>
+            <a:pPr lvl="1"/>
+            <a:r>
+              <a:rPr/>
+              <a:t>Markdown: lightweight markup language</a:t>
+            </a:r>
+          </a:p>
+          <a:p>
+            <a:pPr lvl="2"/>
+            <a:r>
+              <a:rPr/>
+              <a:t>can add formating element to plaintext text document</a:t>
+            </a:r>
+          </a:p>
+          <a:p>
+            <a:pPr lvl="1"/>
+            <a:r>
+              <a:rPr/>
+              <a:t>R Markdown: “provide framework of authoring framework for data science…”</a:t>
+            </a:r>
+          </a:p>
+          <a:p>
+            <a:pPr lvl="2"/>
+            <a:r>
+              <a:rPr/>
+              <a:t>“save and execute code”</a:t>
+            </a:r>
+          </a:p>
+          <a:p>
+            <a:pPr lvl="2"/>
+            <a:r>
+              <a:rPr/>
+              <a:t>“generate high quality reports that can be shared with audience”</a:t>
+            </a:r>
+          </a:p>
+        </p:txBody>
+      </p:sp>
+    </p:spTree>
+  </p:cSld>
+</p:sld>
+</file>
+
+<file path=ppt/slides/slide13.xml><?xml version="1.0" encoding="utf-8"?>
+<p:sld xmlns:a="http://schemas.openxmlformats.org/drawingml/2006/main" xmlns:r="http://schemas.openxmlformats.org/officeDocument/2006/relationships" xmlns:p="http://schemas.openxmlformats.org/presentationml/2006/main">
+  <p:cSld>
+    <p:spTree>
+      <p:nvGrpSpPr>
+        <p:cNvPr id="1" name=""/>
+        <p:cNvGrpSpPr/>
+        <p:nvPr/>
+      </p:nvGrpSpPr>
+      <p:grpSpPr>
+        <a:xfrm>
+          <a:off x="0" y="0"/>
+          <a:ext cx="0" cy="0"/>
+          <a:chOff x="0" y="0"/>
+          <a:chExt cx="0" cy="0"/>
+        </a:xfrm>
+      </p:grpSpPr>
+      <p:sp>
+        <p:nvSpPr>
+          <p:cNvPr id="2" name="Title 1">
+            <a:extLst>
+              <a:ext uri="{FF2B5EF4-FFF2-40B4-BE49-F238E27FC236}">
+                <a16:creationId xmlns:a16="http://schemas.microsoft.com/office/drawing/2014/main" id="{A7FC19B4-8A75-49C0-B653-AFBF531C8877}"/>
+              </a:ext>
+            </a:extLst>
+          </p:cNvPr>
+          <p:cNvSpPr>
+            <a:spLocks noGrp="1"/>
+          </p:cNvSpPr>
+          <p:nvPr>
+            <p:ph type="title"/>
+          </p:nvPr>
+        </p:nvSpPr>
+        <p:spPr/>
+        <p:txBody>
+          <a:bodyPr/>
+          <a:lstStyle/>
+          <a:p>
+            <a:pPr lvl="0" marL="0" indent="0">
+              <a:buNone/>
+            </a:pPr>
+            <a:r>
+              <a:rPr/>
+              <a:t>One</a:t>
+            </a:r>
+            <a:r>
+              <a:rPr/>
+              <a:t> </a:t>
+            </a:r>
+            <a:r>
+              <a:rPr/>
+              <a:t>file,</a:t>
+            </a:r>
+            <a:r>
+              <a:rPr/>
+              <a:t> </a:t>
+            </a:r>
+            <a:r>
+              <a:rPr/>
+              <a:t>various</a:t>
+            </a:r>
+            <a:r>
+              <a:rPr/>
+              <a:t> </a:t>
+            </a:r>
+            <a:r>
+              <a:rPr/>
+              <a:t>output</a:t>
+            </a:r>
+          </a:p>
+        </p:txBody>
+      </p:sp>
+      <p:pic>
+        <p:nvPicPr>
+          <p:cNvPr descr="example%20rstudio.png" id="0" name="Picture 1"/>
+          <p:cNvPicPr>
+            <a:picLocks noGrp="1" noChangeAspect="1"/>
+          </p:cNvPicPr>
+          <p:nvPr/>
+        </p:nvPicPr>
+        <p:blipFill>
+          <a:blip r:embed="rId2"/>
+          <a:stretch>
+            <a:fillRect/>
+          </a:stretch>
+        </p:blipFill>
+        <p:spPr bwMode="auto">
+          <a:xfrm>
+            <a:off x="3670300" y="1816100"/>
+            <a:ext cx="4864100" cy="3835400"/>
+          </a:xfrm>
+          <a:prstGeom prst="rect">
+            <a:avLst/>
+          </a:prstGeom>
+          <a:noFill/>
+          <a:ln w="9525">
+            <a:noFill/>
+            <a:headEnd/>
+            <a:tailEnd/>
+          </a:ln>
+        </p:spPr>
+      </p:pic>
+      <p:sp>
+        <p:nvSpPr>
+          <p:cNvPr id="1" name="TextBox 3"/>
+          <p:cNvSpPr txBox="1"/>
+          <p:nvPr/>
+        </p:nvSpPr>
+        <p:spPr>
+          <a:xfrm>
+            <a:off x="838200" y="5651500"/>
+            <a:ext cx="10515600" cy="508000"/>
+          </a:xfrm>
+          <a:prstGeom prst="rect">
+            <a:avLst/>
+          </a:prstGeom>
+          <a:noFill/>
+        </p:spPr>
+        <p:txBody>
+          <a:bodyPr/>
+          <a:lstStyle/>
+          <a:p>
+            <a:pPr lvl="0" marL="0" indent="0" algn="ctr">
+              <a:buNone/>
+            </a:pPr>
+            <a:r>
+              <a:rPr/>
+              <a:t>rmarkdown</a:t>
+            </a:r>
+            <a:r>
+              <a:rPr/>
+              <a:t> </a:t>
+            </a:r>
+            <a:r>
+              <a:rPr/>
+              <a:t>file</a:t>
+            </a:r>
+          </a:p>
+        </p:txBody>
+      </p:sp>
+    </p:spTree>
+  </p:cSld>
+</p:sld>
+</file>
+
+<file path=ppt/slides/slide14.xml><?xml version="1.0" encoding="utf-8"?>
+<p:sld xmlns:a="http://schemas.openxmlformats.org/drawingml/2006/main" xmlns:r="http://schemas.openxmlformats.org/officeDocument/2006/relationships" xmlns:p="http://schemas.openxmlformats.org/presentationml/2006/main">
+  <p:cSld>
+    <p:spTree>
+      <p:nvGrpSpPr>
+        <p:cNvPr id="1" name=""/>
+        <p:cNvGrpSpPr/>
+        <p:nvPr/>
+      </p:nvGrpSpPr>
+      <p:grpSpPr>
+        <a:xfrm>
+          <a:off x="0" y="0"/>
+          <a:ext cx="0" cy="0"/>
+          <a:chOff x="0" y="0"/>
+          <a:chExt cx="0" cy="0"/>
+        </a:xfrm>
+      </p:grpSpPr>
+      <p:sp>
+        <p:nvSpPr>
+          <p:cNvPr id="2" name="Title 1">
+            <a:extLst>
+              <a:ext uri="{FF2B5EF4-FFF2-40B4-BE49-F238E27FC236}">
+                <a16:creationId xmlns:a16="http://schemas.microsoft.com/office/drawing/2014/main" id="{A7FC19B4-8A75-49C0-B653-AFBF531C8877}"/>
+              </a:ext>
+            </a:extLst>
+          </p:cNvPr>
+          <p:cNvSpPr>
+            <a:spLocks noGrp="1"/>
+          </p:cNvSpPr>
+          <p:nvPr>
+            <p:ph type="title"/>
+          </p:nvPr>
+        </p:nvSpPr>
+        <p:spPr/>
+        <p:txBody>
+          <a:bodyPr/>
+          <a:lstStyle/>
+          <a:p>
+            <a:pPr lvl="0" marL="0" indent="0">
+              <a:buNone/>
+            </a:pPr>
+            <a:r>
+              <a:rPr/>
+              <a:t>One</a:t>
+            </a:r>
+            <a:r>
+              <a:rPr/>
+              <a:t> </a:t>
+            </a:r>
+            <a:r>
+              <a:rPr/>
+              <a:t>file,</a:t>
+            </a:r>
+            <a:r>
+              <a:rPr/>
+              <a:t> </a:t>
+            </a:r>
+            <a:r>
+              <a:rPr/>
+              <a:t>various</a:t>
+            </a:r>
+            <a:r>
+              <a:rPr/>
+              <a:t> </a:t>
+            </a:r>
+            <a:r>
+              <a:rPr/>
+              <a:t>output</a:t>
+            </a:r>
+          </a:p>
+        </p:txBody>
+      </p:sp>
+      <p:pic>
+        <p:nvPicPr>
+          <p:cNvPr descr="example%20html.png" id="0" name="Picture 1"/>
+          <p:cNvPicPr>
+            <a:picLocks noGrp="1" noChangeAspect="1"/>
+          </p:cNvPicPr>
+          <p:nvPr/>
+        </p:nvPicPr>
+        <p:blipFill>
+          <a:blip r:embed="rId2"/>
+          <a:stretch>
+            <a:fillRect/>
+          </a:stretch>
+        </p:blipFill>
+        <p:spPr bwMode="auto">
+          <a:xfrm>
+            <a:off x="3670300" y="1816100"/>
+            <a:ext cx="4864100" cy="3835400"/>
+          </a:xfrm>
+          <a:prstGeom prst="rect">
+            <a:avLst/>
+          </a:prstGeom>
+          <a:noFill/>
+          <a:ln w="9525">
+            <a:noFill/>
+            <a:headEnd/>
+            <a:tailEnd/>
+          </a:ln>
+        </p:spPr>
+      </p:pic>
+      <p:sp>
+        <p:nvSpPr>
+          <p:cNvPr id="1" name="TextBox 3"/>
+          <p:cNvSpPr txBox="1"/>
+          <p:nvPr/>
+        </p:nvSpPr>
+        <p:spPr>
+          <a:xfrm>
+            <a:off x="838200" y="5651500"/>
+            <a:ext cx="10515600" cy="508000"/>
+          </a:xfrm>
+          <a:prstGeom prst="rect">
+            <a:avLst/>
+          </a:prstGeom>
+          <a:noFill/>
+        </p:spPr>
+        <p:txBody>
+          <a:bodyPr/>
+          <a:lstStyle/>
+          <a:p>
+            <a:pPr lvl="0" marL="0" indent="0" algn="ctr">
+              <a:buNone/>
+            </a:pPr>
+            <a:r>
+              <a:rPr/>
+              <a:t>html</a:t>
+            </a:r>
+            <a:r>
+              <a:rPr/>
+              <a:t> </a:t>
+            </a:r>
+            <a:r>
+              <a:rPr/>
+              <a:t>output</a:t>
+            </a:r>
+          </a:p>
+        </p:txBody>
+      </p:sp>
+    </p:spTree>
+  </p:cSld>
+</p:sld>
+</file>
+
+<file path=ppt/slides/slide15.xml><?xml version="1.0" encoding="utf-8"?>
+<p:sld xmlns:a="http://schemas.openxmlformats.org/drawingml/2006/main" xmlns:r="http://schemas.openxmlformats.org/officeDocument/2006/relationships" xmlns:p="http://schemas.openxmlformats.org/presentationml/2006/main">
+  <p:cSld>
+    <p:spTree>
+      <p:nvGrpSpPr>
+        <p:cNvPr id="1" name=""/>
+        <p:cNvGrpSpPr/>
+        <p:nvPr/>
+      </p:nvGrpSpPr>
+      <p:grpSpPr>
+        <a:xfrm>
+          <a:off x="0" y="0"/>
+          <a:ext cx="0" cy="0"/>
+          <a:chOff x="0" y="0"/>
+          <a:chExt cx="0" cy="0"/>
+        </a:xfrm>
+      </p:grpSpPr>
+      <p:sp>
+        <p:nvSpPr>
+          <p:cNvPr id="2" name="Title 1">
+            <a:extLst>
+              <a:ext uri="{FF2B5EF4-FFF2-40B4-BE49-F238E27FC236}">
+                <a16:creationId xmlns:a16="http://schemas.microsoft.com/office/drawing/2014/main" id="{A7FC19B4-8A75-49C0-B653-AFBF531C8877}"/>
+              </a:ext>
+            </a:extLst>
+          </p:cNvPr>
+          <p:cNvSpPr>
+            <a:spLocks noGrp="1"/>
+          </p:cNvSpPr>
+          <p:nvPr>
+            <p:ph type="title"/>
+          </p:nvPr>
+        </p:nvSpPr>
+        <p:spPr/>
+        <p:txBody>
+          <a:bodyPr/>
+          <a:lstStyle/>
+          <a:p>
+            <a:pPr lvl="0" marL="0" indent="0">
+              <a:buNone/>
+            </a:pPr>
+            <a:r>
+              <a:rPr/>
               <a:t>One</a:t>
             </a:r>
             <a:r>
@@ -3775,7 +4418,7 @@
 </p:sld>
 </file>
 
-<file path=ppt/slides/slide11.xml><?xml version="1.0" encoding="utf-8"?>
+<file path=ppt/slides/slide16.xml><?xml version="1.0" encoding="utf-8"?>
 <p:sld xmlns:a="http://schemas.openxmlformats.org/drawingml/2006/main" xmlns:r="http://schemas.openxmlformats.org/officeDocument/2006/relationships" xmlns:p="http://schemas.openxmlformats.org/presentationml/2006/main">
   <p:cSld>
     <p:spTree>
@@ -3898,7 +4541,7 @@
 </p:sld>
 </file>
 
-<file path=ppt/slides/slide12.xml><?xml version="1.0" encoding="utf-8"?>
+<file path=ppt/slides/slide17.xml><?xml version="1.0" encoding="utf-8"?>
 <p:sld xmlns:a="http://schemas.openxmlformats.org/drawingml/2006/main" xmlns:r="http://schemas.openxmlformats.org/officeDocument/2006/relationships" xmlns:p="http://schemas.openxmlformats.org/presentationml/2006/main">
   <p:cSld>
     <p:spTree>
@@ -3950,7 +4593,7 @@
 </p:sld>
 </file>
 
-<file path=ppt/slides/slide13.xml><?xml version="1.0" encoding="utf-8"?>
+<file path=ppt/slides/slide18.xml><?xml version="1.0" encoding="utf-8"?>
 <p:sld xmlns:a="http://schemas.openxmlformats.org/drawingml/2006/main" xmlns:r="http://schemas.openxmlformats.org/officeDocument/2006/relationships" xmlns:p="http://schemas.openxmlformats.org/presentationml/2006/main">
   <p:cSld>
     <p:spTree>
@@ -4041,7 +4684,7 @@
 </p:sld>
 </file>
 
-<file path=ppt/slides/slide14.xml><?xml version="1.0" encoding="utf-8"?>
+<file path=ppt/slides/slide19.xml><?xml version="1.0" encoding="utf-8"?>
 <p:sld xmlns:a="http://schemas.openxmlformats.org/drawingml/2006/main" xmlns:r="http://schemas.openxmlformats.org/officeDocument/2006/relationships" xmlns:p="http://schemas.openxmlformats.org/presentationml/2006/main">
   <p:cSld>
     <p:spTree>
@@ -4138,7 +4781,150 @@
 </p:sld>
 </file>
 
-<file path=ppt/slides/slide15.xml><?xml version="1.0" encoding="utf-8"?>
+<file path=ppt/slides/slide2.xml><?xml version="1.0" encoding="utf-8"?>
+<p:sld xmlns:a="http://schemas.openxmlformats.org/drawingml/2006/main" xmlns:r="http://schemas.openxmlformats.org/officeDocument/2006/relationships" xmlns:p="http://schemas.openxmlformats.org/presentationml/2006/main">
+  <p:cSld>
+    <p:spTree>
+      <p:nvGrpSpPr>
+        <p:cNvPr id="1" name=""/>
+        <p:cNvGrpSpPr/>
+        <p:nvPr/>
+      </p:nvGrpSpPr>
+      <p:grpSpPr>
+        <a:xfrm>
+          <a:off x="0" y="0"/>
+          <a:ext cx="0" cy="0"/>
+          <a:chOff x="0" y="0"/>
+          <a:chExt cx="0" cy="0"/>
+        </a:xfrm>
+      </p:grpSpPr>
+      <p:sp>
+        <p:nvSpPr>
+          <p:cNvPr id="2" name="Title 1">
+            <a:extLst>
+              <a:ext uri="{FF2B5EF4-FFF2-40B4-BE49-F238E27FC236}">
+                <a16:creationId xmlns:a16="http://schemas.microsoft.com/office/drawing/2014/main" id="{A7FC19B4-8A75-49C0-B653-AFBF531C8877}"/>
+              </a:ext>
+            </a:extLst>
+          </p:cNvPr>
+          <p:cNvSpPr>
+            <a:spLocks noGrp="1"/>
+          </p:cNvSpPr>
+          <p:nvPr>
+            <p:ph type="title"/>
+          </p:nvPr>
+        </p:nvSpPr>
+        <p:spPr/>
+        <p:txBody>
+          <a:bodyPr/>
+          <a:lstStyle/>
+          <a:p>
+            <a:pPr lvl="0" marL="0" indent="0">
+              <a:buNone/>
+            </a:pPr>
+            <a:r>
+              <a:rPr/>
+              <a:t>Target</a:t>
+            </a:r>
+            <a:r>
+              <a:rPr/>
+              <a:t> </a:t>
+            </a:r>
+            <a:r>
+              <a:rPr/>
+              <a:t>Audience</a:t>
+            </a:r>
+          </a:p>
+        </p:txBody>
+      </p:sp>
+      <p:sp>
+        <p:nvSpPr>
+          <p:cNvPr id="3" name="Content Placeholder 2">
+            <a:extLst>
+              <a:ext uri="{FF2B5EF4-FFF2-40B4-BE49-F238E27FC236}">
+                <a16:creationId xmlns:a16="http://schemas.microsoft.com/office/drawing/2014/main" id="{64F42D58-57FC-4A61-A954-87FA5DD4768E}"/>
+              </a:ext>
+            </a:extLst>
+          </p:cNvPr>
+          <p:cNvSpPr>
+            <a:spLocks noGrp="1"/>
+          </p:cNvSpPr>
+          <p:nvPr>
+            <p:ph idx="1"/>
+          </p:nvPr>
+        </p:nvSpPr>
+        <p:spPr/>
+        <p:txBody>
+          <a:bodyPr/>
+          <a:lstStyle/>
+          <a:p>
+            <a:pPr lvl="0" marL="0" indent="0">
+              <a:buNone/>
+            </a:pPr>
+            <a:r>
+              <a:rPr/>
+              <a:t>Aim: Introductory</a:t>
+            </a:r>
+          </a:p>
+          <a:p>
+            <a:pPr lvl="1"/>
+            <a:r>
+              <a:rPr/>
+              <a:t>Teaching Staff</a:t>
+            </a:r>
+          </a:p>
+          <a:p>
+            <a:pPr lvl="1"/>
+            <a:r>
+              <a:rPr/>
+              <a:t>Student</a:t>
+            </a:r>
+          </a:p>
+          <a:p>
+            <a:pPr lvl="0" marL="0" indent="0">
+              <a:buNone/>
+            </a:pPr>
+            <a:r>
+              <a:rPr/>
+              <a:t>Disclaimer</a:t>
+            </a:r>
+          </a:p>
+          <a:p>
+            <a:pPr lvl="1"/>
+            <a:r>
+              <a:rPr/>
+              <a:t>Very simple slide</a:t>
+            </a:r>
+          </a:p>
+          <a:p>
+            <a:pPr lvl="2"/>
+            <a:r>
+              <a:rPr/>
+              <a:t>short learning curve</a:t>
+            </a:r>
+          </a:p>
+          <a:p>
+            <a:pPr lvl="1"/>
+            <a:r>
+              <a:rPr/>
+              <a:t>Be creative!</a:t>
+            </a:r>
+          </a:p>
+          <a:p>
+            <a:pPr lvl="1"/>
+            <a:r>
+              <a:rPr/>
+              <a:t>Try, try, try</a:t>
+            </a:r>
+          </a:p>
+        </p:txBody>
+      </p:sp>
+    </p:spTree>
+  </p:cSld>
+</p:sld>
+</file>
+
+<file path=ppt/slides/slide20.xml><?xml version="1.0" encoding="utf-8"?>
 <p:sld xmlns:a="http://schemas.openxmlformats.org/drawingml/2006/main" xmlns:r="http://schemas.openxmlformats.org/officeDocument/2006/relationships" xmlns:p="http://schemas.openxmlformats.org/presentationml/2006/main">
   <p:cSld>
     <p:spTree>
@@ -4267,7 +5053,7 @@
 </p:sld>
 </file>
 
-<file path=ppt/slides/slide16.xml><?xml version="1.0" encoding="utf-8"?>
+<file path=ppt/slides/slide21.xml><?xml version="1.0" encoding="utf-8"?>
 <p:sld xmlns:a="http://schemas.openxmlformats.org/drawingml/2006/main" xmlns:r="http://schemas.openxmlformats.org/officeDocument/2006/relationships" xmlns:p="http://schemas.openxmlformats.org/presentationml/2006/main">
   <p:cSld>
     <p:spTree>
@@ -4396,7 +5182,7 @@
 </p:sld>
 </file>
 
-<file path=ppt/slides/slide17.xml><?xml version="1.0" encoding="utf-8"?>
+<file path=ppt/slides/slide22.xml><?xml version="1.0" encoding="utf-8"?>
 <p:sld xmlns:a="http://schemas.openxmlformats.org/drawingml/2006/main" xmlns:r="http://schemas.openxmlformats.org/officeDocument/2006/relationships" xmlns:p="http://schemas.openxmlformats.org/presentationml/2006/main">
   <p:cSld>
     <p:spTree>
@@ -4507,7 +5293,7 @@
 </p:sld>
 </file>
 
-<file path=ppt/slides/slide18.xml><?xml version="1.0" encoding="utf-8"?>
+<file path=ppt/slides/slide23.xml><?xml version="1.0" encoding="utf-8"?>
 <p:sld xmlns:a="http://schemas.openxmlformats.org/drawingml/2006/main" xmlns:r="http://schemas.openxmlformats.org/officeDocument/2006/relationships" xmlns:p="http://schemas.openxmlformats.org/presentationml/2006/main">
   <p:cSld>
     <p:spTree>
@@ -4636,7 +5422,7 @@
 </p:sld>
 </file>
 
-<file path=ppt/slides/slide19.xml><?xml version="1.0" encoding="utf-8"?>
+<file path=ppt/slides/slide24.xml><?xml version="1.0" encoding="utf-8"?>
 <p:sld xmlns:a="http://schemas.openxmlformats.org/drawingml/2006/main" xmlns:r="http://schemas.openxmlformats.org/officeDocument/2006/relationships" xmlns:p="http://schemas.openxmlformats.org/presentationml/2006/main">
   <p:cSld>
     <p:spTree>
@@ -4727,150 +5513,7 @@
 </p:sld>
 </file>
 
-<file path=ppt/slides/slide2.xml><?xml version="1.0" encoding="utf-8"?>
-<p:sld xmlns:a="http://schemas.openxmlformats.org/drawingml/2006/main" xmlns:r="http://schemas.openxmlformats.org/officeDocument/2006/relationships" xmlns:p="http://schemas.openxmlformats.org/presentationml/2006/main">
-  <p:cSld>
-    <p:spTree>
-      <p:nvGrpSpPr>
-        <p:cNvPr id="1" name=""/>
-        <p:cNvGrpSpPr/>
-        <p:nvPr/>
-      </p:nvGrpSpPr>
-      <p:grpSpPr>
-        <a:xfrm>
-          <a:off x="0" y="0"/>
-          <a:ext cx="0" cy="0"/>
-          <a:chOff x="0" y="0"/>
-          <a:chExt cx="0" cy="0"/>
-        </a:xfrm>
-      </p:grpSpPr>
-      <p:sp>
-        <p:nvSpPr>
-          <p:cNvPr id="2" name="Title 1">
-            <a:extLst>
-              <a:ext uri="{FF2B5EF4-FFF2-40B4-BE49-F238E27FC236}">
-                <a16:creationId xmlns:a16="http://schemas.microsoft.com/office/drawing/2014/main" id="{A7FC19B4-8A75-49C0-B653-AFBF531C8877}"/>
-              </a:ext>
-            </a:extLst>
-          </p:cNvPr>
-          <p:cNvSpPr>
-            <a:spLocks noGrp="1"/>
-          </p:cNvSpPr>
-          <p:nvPr>
-            <p:ph type="title"/>
-          </p:nvPr>
-        </p:nvSpPr>
-        <p:spPr/>
-        <p:txBody>
-          <a:bodyPr/>
-          <a:lstStyle/>
-          <a:p>
-            <a:pPr lvl="0" marL="0" indent="0">
-              <a:buNone/>
-            </a:pPr>
-            <a:r>
-              <a:rPr/>
-              <a:t>Target</a:t>
-            </a:r>
-            <a:r>
-              <a:rPr/>
-              <a:t> </a:t>
-            </a:r>
-            <a:r>
-              <a:rPr/>
-              <a:t>Audience</a:t>
-            </a:r>
-          </a:p>
-        </p:txBody>
-      </p:sp>
-      <p:sp>
-        <p:nvSpPr>
-          <p:cNvPr id="3" name="Content Placeholder 2">
-            <a:extLst>
-              <a:ext uri="{FF2B5EF4-FFF2-40B4-BE49-F238E27FC236}">
-                <a16:creationId xmlns:a16="http://schemas.microsoft.com/office/drawing/2014/main" id="{64F42D58-57FC-4A61-A954-87FA5DD4768E}"/>
-              </a:ext>
-            </a:extLst>
-          </p:cNvPr>
-          <p:cNvSpPr>
-            <a:spLocks noGrp="1"/>
-          </p:cNvSpPr>
-          <p:nvPr>
-            <p:ph idx="1"/>
-          </p:nvPr>
-        </p:nvSpPr>
-        <p:spPr/>
-        <p:txBody>
-          <a:bodyPr/>
-          <a:lstStyle/>
-          <a:p>
-            <a:pPr lvl="0" marL="0" indent="0">
-              <a:buNone/>
-            </a:pPr>
-            <a:r>
-              <a:rPr/>
-              <a:t>Aim: Introductory</a:t>
-            </a:r>
-          </a:p>
-          <a:p>
-            <a:pPr lvl="1"/>
-            <a:r>
-              <a:rPr/>
-              <a:t>Teaching Staff</a:t>
-            </a:r>
-          </a:p>
-          <a:p>
-            <a:pPr lvl="1"/>
-            <a:r>
-              <a:rPr/>
-              <a:t>Student</a:t>
-            </a:r>
-          </a:p>
-          <a:p>
-            <a:pPr lvl="0" marL="0" indent="0">
-              <a:buNone/>
-            </a:pPr>
-            <a:r>
-              <a:rPr/>
-              <a:t>Disclaimer</a:t>
-            </a:r>
-          </a:p>
-          <a:p>
-            <a:pPr lvl="1"/>
-            <a:r>
-              <a:rPr/>
-              <a:t>Very simple slide</a:t>
-            </a:r>
-          </a:p>
-          <a:p>
-            <a:pPr lvl="2"/>
-            <a:r>
-              <a:rPr/>
-              <a:t>short learning curve</a:t>
-            </a:r>
-          </a:p>
-          <a:p>
-            <a:pPr lvl="1"/>
-            <a:r>
-              <a:rPr/>
-              <a:t>Be creative!</a:t>
-            </a:r>
-          </a:p>
-          <a:p>
-            <a:pPr lvl="1"/>
-            <a:r>
-              <a:rPr/>
-              <a:t>Try, try, try</a:t>
-            </a:r>
-          </a:p>
-        </p:txBody>
-      </p:sp>
-    </p:spTree>
-  </p:cSld>
-</p:sld>
-</file>
-
-<file path=ppt/slides/slide20.xml><?xml version="1.0" encoding="utf-8"?>
+<file path=ppt/slides/slide25.xml><?xml version="1.0" encoding="utf-8"?>
 <p:sld xmlns:a="http://schemas.openxmlformats.org/drawingml/2006/main" xmlns:r="http://schemas.openxmlformats.org/officeDocument/2006/relationships" xmlns:p="http://schemas.openxmlformats.org/presentationml/2006/main">
   <p:cSld>
     <p:spTree>
@@ -4961,7 +5604,7 @@
 </p:sld>
 </file>
 
-<file path=ppt/slides/slide21.xml><?xml version="1.0" encoding="utf-8"?>
+<file path=ppt/slides/slide26.xml><?xml version="1.0" encoding="utf-8"?>
 <p:sld xmlns:a="http://schemas.openxmlformats.org/drawingml/2006/main" xmlns:r="http://schemas.openxmlformats.org/officeDocument/2006/relationships" xmlns:p="http://schemas.openxmlformats.org/presentationml/2006/main">
   <p:cSld>
     <p:spTree>
@@ -5052,7 +5695,7 @@
 </p:sld>
 </file>
 
-<file path=ppt/slides/slide22.xml><?xml version="1.0" encoding="utf-8"?>
+<file path=ppt/slides/slide27.xml><?xml version="1.0" encoding="utf-8"?>
 <p:sld xmlns:a="http://schemas.openxmlformats.org/drawingml/2006/main" xmlns:r="http://schemas.openxmlformats.org/officeDocument/2006/relationships" xmlns:p="http://schemas.openxmlformats.org/presentationml/2006/main">
   <p:cSld>
     <p:spTree>
@@ -5290,7 +5933,7 @@
             <a:pPr lvl="1"/>
             <a:r>
               <a:rPr/>
-              <a:t>Statistic and Public Health</a:t>
+              <a:t>Statistic and Epidemiology classess</a:t>
             </a:r>
           </a:p>
           <a:p>
@@ -5350,7 +5993,7 @@
             </a:pPr>
             <a:r>
               <a:rPr/>
-              <a:t>Teaching</a:t>
+              <a:t>MPH</a:t>
             </a:r>
             <a:r>
               <a:rPr/>
@@ -5358,81 +6001,99 @@
             </a:r>
             <a:r>
               <a:rPr/>
+              <a:t>and</a:t>
+            </a:r>
+            <a:r>
+              <a:rPr/>
+              <a:t> </a:t>
+            </a:r>
+            <a:r>
+              <a:rPr/>
+              <a:t>Medical</a:t>
+            </a:r>
+            <a:r>
+              <a:rPr/>
+              <a:t> </a:t>
+            </a:r>
+            <a:r>
+              <a:rPr/>
               <a:t>Statistic</a:t>
             </a:r>
           </a:p>
         </p:txBody>
       </p:sp>
-      <p:sp>
-        <p:nvSpPr>
-          <p:cNvPr id="3" name="Content Placeholder 2">
-            <a:extLst>
-              <a:ext uri="{FF2B5EF4-FFF2-40B4-BE49-F238E27FC236}">
-                <a16:creationId xmlns:a16="http://schemas.microsoft.com/office/drawing/2014/main" id="{64F42D58-57FC-4A61-A954-87FA5DD4768E}"/>
-              </a:ext>
-            </a:extLst>
-          </p:cNvPr>
-          <p:cNvSpPr>
-            <a:spLocks noGrp="1"/>
-          </p:cNvSpPr>
-          <p:nvPr>
-            <p:ph idx="1"/>
-          </p:nvPr>
-        </p:nvSpPr>
-        <p:spPr/>
-        <p:txBody>
-          <a:bodyPr/>
-          <a:lstStyle/>
-          <a:p>
-            <a:pPr lvl="1"/>
-            <a:r>
-              <a:rPr/>
-              <a:t>fast, reproducible</a:t>
-            </a:r>
-          </a:p>
-          <a:p>
-            <a:pPr lvl="0" marL="0" indent="0">
+      <p:pic>
+        <p:nvPicPr>
+          <p:cNvPr descr="USM%20MPH%20structure.png" id="0" name="Picture 1"/>
+          <p:cNvPicPr>
+            <a:picLocks noGrp="1" noChangeAspect="1"/>
+          </p:cNvPicPr>
+          <p:nvPr/>
+        </p:nvPicPr>
+        <p:blipFill>
+          <a:blip r:embed="rId2"/>
+          <a:stretch>
+            <a:fillRect/>
+          </a:stretch>
+        </p:blipFill>
+        <p:spPr bwMode="auto">
+          <a:xfrm>
+            <a:off x="3822700" y="1816100"/>
+            <a:ext cx="4546600" cy="3835400"/>
+          </a:xfrm>
+          <a:prstGeom prst="rect">
+            <a:avLst/>
+          </a:prstGeom>
+          <a:noFill/>
+          <a:ln w="9525">
+            <a:noFill/>
+            <a:headEnd/>
+            <a:tailEnd/>
+          </a:ln>
+        </p:spPr>
+      </p:pic>
+      <p:sp>
+        <p:nvSpPr>
+          <p:cNvPr id="1" name="TextBox 3"/>
+          <p:cNvSpPr txBox="1"/>
+          <p:nvPr/>
+        </p:nvSpPr>
+        <p:spPr>
+          <a:xfrm>
+            <a:off x="838200" y="5651500"/>
+            <a:ext cx="10515600" cy="508000"/>
+          </a:xfrm>
+          <a:prstGeom prst="rect">
+            <a:avLst/>
+          </a:prstGeom>
+          <a:noFill/>
+        </p:spPr>
+        <p:txBody>
+          <a:bodyPr/>
+          <a:lstStyle/>
+          <a:p>
+            <a:pPr lvl="0" marL="0" indent="0" algn="ctr">
               <a:buNone/>
             </a:pPr>
             <a:r>
               <a:rPr/>
-              <a:t>x &lt;- runif(100, 5, 10)</a:t>
-            </a:r>
-          </a:p>
-          <a:p>
-            <a:pPr lvl="0" marL="0" indent="0">
-              <a:buNone/>
-            </a:pPr>
-            <a:r>
-              <a:rPr/>
-              <a:t>y &lt;- sample(5:10, 100, replace = T)</a:t>
-            </a:r>
-          </a:p>
-          <a:p>
-            <a:pPr lvl="0" marL="0" indent="0">
-              <a:buNone/>
-            </a:pPr>
-            <a:r>
-              <a:rPr/>
-              <a:t>y2 &lt;- (x+y/2)</a:t>
-            </a:r>
-          </a:p>
-          <a:p>
-            <a:pPr lvl="0" marL="0" indent="0">
-              <a:buNone/>
-            </a:pPr>
-            <a:r>
-              <a:rPr/>
-              <a:t>fake &lt;- data.frame(x,y,y2)</a:t>
-            </a:r>
-          </a:p>
-          <a:p>
-            <a:pPr lvl="0" marL="0" indent="0">
-              <a:buNone/>
-            </a:pPr>
-            <a:r>
-              <a:rPr/>
-              <a:t>with(fake, plot(x,y2))</a:t>
+              <a:t>USM</a:t>
+            </a:r>
+            <a:r>
+              <a:rPr/>
+              <a:t> </a:t>
+            </a:r>
+            <a:r>
+              <a:rPr/>
+              <a:t>MPH</a:t>
+            </a:r>
+            <a:r>
+              <a:rPr/>
+              <a:t> </a:t>
+            </a:r>
+            <a:r>
+              <a:rPr/>
+              <a:t>Sturcture</a:t>
             </a:r>
           </a:p>
         </p:txBody>
@@ -5443,6 +6104,218 @@
 </file>
 
 <file path=ppt/slides/slide5.xml><?xml version="1.0" encoding="utf-8"?>
+<p:sld xmlns:a="http://schemas.openxmlformats.org/drawingml/2006/main" xmlns:r="http://schemas.openxmlformats.org/officeDocument/2006/relationships" xmlns:p="http://schemas.openxmlformats.org/presentationml/2006/main">
+  <p:cSld>
+    <p:spTree>
+      <p:nvGrpSpPr>
+        <p:cNvPr id="1" name=""/>
+        <p:cNvGrpSpPr/>
+        <p:nvPr/>
+      </p:nvGrpSpPr>
+      <p:grpSpPr>
+        <a:xfrm>
+          <a:off x="0" y="0"/>
+          <a:ext cx="0" cy="0"/>
+          <a:chOff x="0" y="0"/>
+          <a:chExt cx="0" cy="0"/>
+        </a:xfrm>
+      </p:grpSpPr>
+      <p:sp>
+        <p:nvSpPr>
+          <p:cNvPr id="2" name="Title 1">
+            <a:extLst>
+              <a:ext uri="{FF2B5EF4-FFF2-40B4-BE49-F238E27FC236}">
+                <a16:creationId xmlns:a16="http://schemas.microsoft.com/office/drawing/2014/main" id="{A7FC19B4-8A75-49C0-B653-AFBF531C8877}"/>
+              </a:ext>
+            </a:extLst>
+          </p:cNvPr>
+          <p:cNvSpPr>
+            <a:spLocks noGrp="1"/>
+          </p:cNvSpPr>
+          <p:nvPr>
+            <p:ph type="title"/>
+          </p:nvPr>
+        </p:nvSpPr>
+        <p:spPr/>
+        <p:txBody>
+          <a:bodyPr/>
+          <a:lstStyle/>
+          <a:p>
+            <a:pPr lvl="0" marL="0" indent="0">
+              <a:buNone/>
+            </a:pPr>
+            <a:r>
+              <a:rPr/>
+              <a:t>Medical</a:t>
+            </a:r>
+            <a:r>
+              <a:rPr/>
+              <a:t> </a:t>
+            </a:r>
+            <a:r>
+              <a:rPr/>
+              <a:t>Statistic</a:t>
+            </a:r>
+            <a:r>
+              <a:rPr/>
+              <a:t> </a:t>
+            </a:r>
+            <a:r>
+              <a:rPr/>
+              <a:t>with</a:t>
+            </a:r>
+            <a:r>
+              <a:rPr/>
+              <a:t> </a:t>
+            </a:r>
+            <a:r>
+              <a:rPr/>
+              <a:t>SPSS</a:t>
+            </a:r>
+          </a:p>
+        </p:txBody>
+      </p:sp>
+      <p:pic>
+        <p:nvPicPr>
+          <p:cNvPr descr="spss%20logistic%20regression%20gui.png" id="0" name="Picture 1"/>
+          <p:cNvPicPr>
+            <a:picLocks noGrp="1" noChangeAspect="1"/>
+          </p:cNvPicPr>
+          <p:nvPr/>
+        </p:nvPicPr>
+        <p:blipFill>
+          <a:blip r:embed="rId2"/>
+          <a:stretch>
+            <a:fillRect/>
+          </a:stretch>
+        </p:blipFill>
+        <p:spPr bwMode="auto">
+          <a:xfrm>
+            <a:off x="3517900" y="1816100"/>
+            <a:ext cx="5156200" cy="4343400"/>
+          </a:xfrm>
+          <a:prstGeom prst="rect">
+            <a:avLst/>
+          </a:prstGeom>
+          <a:noFill/>
+          <a:ln w="9525">
+            <a:noFill/>
+            <a:headEnd/>
+            <a:tailEnd/>
+          </a:ln>
+        </p:spPr>
+      </p:pic>
+    </p:spTree>
+  </p:cSld>
+</p:sld>
+</file>
+
+<file path=ppt/slides/slide6.xml><?xml version="1.0" encoding="utf-8"?>
+<p:sld xmlns:a="http://schemas.openxmlformats.org/drawingml/2006/main" xmlns:r="http://schemas.openxmlformats.org/officeDocument/2006/relationships" xmlns:p="http://schemas.openxmlformats.org/presentationml/2006/main">
+  <p:cSld>
+    <p:spTree>
+      <p:nvGrpSpPr>
+        <p:cNvPr id="1" name=""/>
+        <p:cNvGrpSpPr/>
+        <p:nvPr/>
+      </p:nvGrpSpPr>
+      <p:grpSpPr>
+        <a:xfrm>
+          <a:off x="0" y="0"/>
+          <a:ext cx="0" cy="0"/>
+          <a:chOff x="0" y="0"/>
+          <a:chExt cx="0" cy="0"/>
+        </a:xfrm>
+      </p:grpSpPr>
+      <p:sp>
+        <p:nvSpPr>
+          <p:cNvPr id="3" name="Content Placeholder 2">
+            <a:extLst>
+              <a:ext uri="{FF2B5EF4-FFF2-40B4-BE49-F238E27FC236}">
+                <a16:creationId xmlns:a16="http://schemas.microsoft.com/office/drawing/2014/main" id="{64F42D58-57FC-4A61-A954-87FA5DD4768E}"/>
+              </a:ext>
+            </a:extLst>
+          </p:cNvPr>
+          <p:cNvSpPr>
+            <a:spLocks noGrp="1"/>
+          </p:cNvSpPr>
+          <p:nvPr>
+            <p:ph idx="1"/>
+          </p:nvPr>
+        </p:nvSpPr>
+        <p:spPr/>
+        <p:txBody>
+          <a:bodyPr/>
+          <a:lstStyle/>
+          <a:p>
+            <a:pPr lvl="0" marL="0" indent="0">
+              <a:buNone/>
+            </a:pPr>
+            <a:r>
+              <a:rPr/>
+              <a:t> ## Teaching Statistic</a:t>
+            </a:r>
+          </a:p>
+          <a:p>
+            <a:pPr lvl="1"/>
+            <a:r>
+              <a:rPr/>
+              <a:t>fast, reproducible</a:t>
+            </a:r>
+          </a:p>
+          <a:p>
+            <a:pPr lvl="0" marL="0" indent="0">
+              <a:buNone/>
+            </a:pPr>
+            <a:r>
+              <a:rPr/>
+              <a:t>x &lt;- runif(100, 5, 10)</a:t>
+            </a:r>
+          </a:p>
+          <a:p>
+            <a:pPr lvl="0" marL="0" indent="0">
+              <a:buNone/>
+            </a:pPr>
+            <a:r>
+              <a:rPr/>
+              <a:t>y &lt;- sample(5:10, 100, replace = T)</a:t>
+            </a:r>
+          </a:p>
+          <a:p>
+            <a:pPr lvl="0" marL="0" indent="0">
+              <a:buNone/>
+            </a:pPr>
+            <a:r>
+              <a:rPr/>
+              <a:t>y2 &lt;- (x+y/2)</a:t>
+            </a:r>
+          </a:p>
+          <a:p>
+            <a:pPr lvl="0" marL="0" indent="0">
+              <a:buNone/>
+            </a:pPr>
+            <a:r>
+              <a:rPr/>
+              <a:t>fake &lt;- data.frame(x,y,y2)</a:t>
+            </a:r>
+          </a:p>
+          <a:p>
+            <a:pPr lvl="0" marL="0" indent="0">
+              <a:buNone/>
+            </a:pPr>
+            <a:r>
+              <a:rPr/>
+              <a:t>with(fake, plot(x,y2))</a:t>
+            </a:r>
+          </a:p>
+        </p:txBody>
+      </p:sp>
+    </p:spTree>
+  </p:cSld>
+</p:sld>
+</file>
+
+<file path=ppt/slides/slide7.xml><?xml version="1.0" encoding="utf-8"?>
 <p:sld xmlns:a="http://schemas.openxmlformats.org/drawingml/2006/main" xmlns:r="http://schemas.openxmlformats.org/officeDocument/2006/relationships" xmlns:p="http://schemas.openxmlformats.org/presentationml/2006/main">
   <p:cSld>
     <p:spTree>
@@ -5494,7 +6367,7 @@
 </p:sld>
 </file>
 
-<file path=ppt/slides/slide6.xml><?xml version="1.0" encoding="utf-8"?>
+<file path=ppt/slides/slide8.xml><?xml version="1.0" encoding="utf-8"?>
 <p:sld xmlns:a="http://schemas.openxmlformats.org/drawingml/2006/main" xmlns:r="http://schemas.openxmlformats.org/officeDocument/2006/relationships" xmlns:p="http://schemas.openxmlformats.org/presentationml/2006/main">
   <p:cSld>
     <p:spTree>
@@ -5594,7 +6467,7 @@
 </p:sld>
 </file>
 
-<file path=ppt/slides/slide7.xml><?xml version="1.0" encoding="utf-8"?>
+<file path=ppt/slides/slide9.xml><?xml version="1.0" encoding="utf-8"?>
 <p:sld xmlns:a="http://schemas.openxmlformats.org/drawingml/2006/main" xmlns:r="http://schemas.openxmlformats.org/officeDocument/2006/relationships" xmlns:p="http://schemas.openxmlformats.org/presentationml/2006/main">
   <p:cSld>
     <p:spTree>
@@ -5641,296 +6514,6 @@
           </a:ln>
         </p:spPr>
       </p:pic>
-    </p:spTree>
-  </p:cSld>
-</p:sld>
-</file>
-
-<file path=ppt/slides/slide8.xml><?xml version="1.0" encoding="utf-8"?>
-<p:sld xmlns:a="http://schemas.openxmlformats.org/drawingml/2006/main" xmlns:r="http://schemas.openxmlformats.org/officeDocument/2006/relationships" xmlns:p="http://schemas.openxmlformats.org/presentationml/2006/main">
-  <p:cSld>
-    <p:spTree>
-      <p:nvGrpSpPr>
-        <p:cNvPr id="1" name=""/>
-        <p:cNvGrpSpPr/>
-        <p:nvPr/>
-      </p:nvGrpSpPr>
-      <p:grpSpPr>
-        <a:xfrm>
-          <a:off x="0" y="0"/>
-          <a:ext cx="0" cy="0"/>
-          <a:chOff x="0" y="0"/>
-          <a:chExt cx="0" cy="0"/>
-        </a:xfrm>
-      </p:grpSpPr>
-      <p:sp>
-        <p:nvSpPr>
-          <p:cNvPr id="2" name="Title 1">
-            <a:extLst>
-              <a:ext uri="{FF2B5EF4-FFF2-40B4-BE49-F238E27FC236}">
-                <a16:creationId xmlns:a16="http://schemas.microsoft.com/office/drawing/2014/main" id="{A7FC19B4-8A75-49C0-B653-AFBF531C8877}"/>
-              </a:ext>
-            </a:extLst>
-          </p:cNvPr>
-          <p:cNvSpPr>
-            <a:spLocks noGrp="1"/>
-          </p:cNvSpPr>
-          <p:nvPr>
-            <p:ph type="title"/>
-          </p:nvPr>
-        </p:nvSpPr>
-        <p:spPr/>
-        <p:txBody>
-          <a:bodyPr/>
-          <a:lstStyle/>
-          <a:p>
-            <a:pPr lvl="0" marL="0" indent="0">
-              <a:buNone/>
-            </a:pPr>
-            <a:r>
-              <a:rPr/>
-              <a:t>One</a:t>
-            </a:r>
-            <a:r>
-              <a:rPr/>
-              <a:t> </a:t>
-            </a:r>
-            <a:r>
-              <a:rPr/>
-              <a:t>file,</a:t>
-            </a:r>
-            <a:r>
-              <a:rPr/>
-              <a:t> </a:t>
-            </a:r>
-            <a:r>
-              <a:rPr/>
-              <a:t>various</a:t>
-            </a:r>
-            <a:r>
-              <a:rPr/>
-              <a:t> </a:t>
-            </a:r>
-            <a:r>
-              <a:rPr/>
-              <a:t>output</a:t>
-            </a:r>
-          </a:p>
-        </p:txBody>
-      </p:sp>
-      <p:pic>
-        <p:nvPicPr>
-          <p:cNvPr descr="example%20rstudio.png" id="0" name="Picture 1"/>
-          <p:cNvPicPr>
-            <a:picLocks noGrp="1" noChangeAspect="1"/>
-          </p:cNvPicPr>
-          <p:nvPr/>
-        </p:nvPicPr>
-        <p:blipFill>
-          <a:blip r:embed="rId2"/>
-          <a:stretch>
-            <a:fillRect/>
-          </a:stretch>
-        </p:blipFill>
-        <p:spPr bwMode="auto">
-          <a:xfrm>
-            <a:off x="3670300" y="1816100"/>
-            <a:ext cx="4864100" cy="3835400"/>
-          </a:xfrm>
-          <a:prstGeom prst="rect">
-            <a:avLst/>
-          </a:prstGeom>
-          <a:noFill/>
-          <a:ln w="9525">
-            <a:noFill/>
-            <a:headEnd/>
-            <a:tailEnd/>
-          </a:ln>
-        </p:spPr>
-      </p:pic>
-      <p:sp>
-        <p:nvSpPr>
-          <p:cNvPr id="1" name="TextBox 3"/>
-          <p:cNvSpPr txBox="1"/>
-          <p:nvPr/>
-        </p:nvSpPr>
-        <p:spPr>
-          <a:xfrm>
-            <a:off x="838200" y="5651500"/>
-            <a:ext cx="10515600" cy="508000"/>
-          </a:xfrm>
-          <a:prstGeom prst="rect">
-            <a:avLst/>
-          </a:prstGeom>
-          <a:noFill/>
-        </p:spPr>
-        <p:txBody>
-          <a:bodyPr/>
-          <a:lstStyle/>
-          <a:p>
-            <a:pPr lvl="0" marL="0" indent="0" algn="ctr">
-              <a:buNone/>
-            </a:pPr>
-            <a:r>
-              <a:rPr/>
-              <a:t>rmarkdown</a:t>
-            </a:r>
-            <a:r>
-              <a:rPr/>
-              <a:t> </a:t>
-            </a:r>
-            <a:r>
-              <a:rPr/>
-              <a:t>file</a:t>
-            </a:r>
-          </a:p>
-        </p:txBody>
-      </p:sp>
-    </p:spTree>
-  </p:cSld>
-</p:sld>
-</file>
-
-<file path=ppt/slides/slide9.xml><?xml version="1.0" encoding="utf-8"?>
-<p:sld xmlns:a="http://schemas.openxmlformats.org/drawingml/2006/main" xmlns:r="http://schemas.openxmlformats.org/officeDocument/2006/relationships" xmlns:p="http://schemas.openxmlformats.org/presentationml/2006/main">
-  <p:cSld>
-    <p:spTree>
-      <p:nvGrpSpPr>
-        <p:cNvPr id="1" name=""/>
-        <p:cNvGrpSpPr/>
-        <p:nvPr/>
-      </p:nvGrpSpPr>
-      <p:grpSpPr>
-        <a:xfrm>
-          <a:off x="0" y="0"/>
-          <a:ext cx="0" cy="0"/>
-          <a:chOff x="0" y="0"/>
-          <a:chExt cx="0" cy="0"/>
-        </a:xfrm>
-      </p:grpSpPr>
-      <p:sp>
-        <p:nvSpPr>
-          <p:cNvPr id="2" name="Title 1">
-            <a:extLst>
-              <a:ext uri="{FF2B5EF4-FFF2-40B4-BE49-F238E27FC236}">
-                <a16:creationId xmlns:a16="http://schemas.microsoft.com/office/drawing/2014/main" id="{A7FC19B4-8A75-49C0-B653-AFBF531C8877}"/>
-              </a:ext>
-            </a:extLst>
-          </p:cNvPr>
-          <p:cNvSpPr>
-            <a:spLocks noGrp="1"/>
-          </p:cNvSpPr>
-          <p:nvPr>
-            <p:ph type="title"/>
-          </p:nvPr>
-        </p:nvSpPr>
-        <p:spPr/>
-        <p:txBody>
-          <a:bodyPr/>
-          <a:lstStyle/>
-          <a:p>
-            <a:pPr lvl="0" marL="0" indent="0">
-              <a:buNone/>
-            </a:pPr>
-            <a:r>
-              <a:rPr/>
-              <a:t>One</a:t>
-            </a:r>
-            <a:r>
-              <a:rPr/>
-              <a:t> </a:t>
-            </a:r>
-            <a:r>
-              <a:rPr/>
-              <a:t>file,</a:t>
-            </a:r>
-            <a:r>
-              <a:rPr/>
-              <a:t> </a:t>
-            </a:r>
-            <a:r>
-              <a:rPr/>
-              <a:t>various</a:t>
-            </a:r>
-            <a:r>
-              <a:rPr/>
-              <a:t> </a:t>
-            </a:r>
-            <a:r>
-              <a:rPr/>
-              <a:t>output</a:t>
-            </a:r>
-          </a:p>
-        </p:txBody>
-      </p:sp>
-      <p:pic>
-        <p:nvPicPr>
-          <p:cNvPr descr="example%20html.png" id="0" name="Picture 1"/>
-          <p:cNvPicPr>
-            <a:picLocks noGrp="1" noChangeAspect="1"/>
-          </p:cNvPicPr>
-          <p:nvPr/>
-        </p:nvPicPr>
-        <p:blipFill>
-          <a:blip r:embed="rId2"/>
-          <a:stretch>
-            <a:fillRect/>
-          </a:stretch>
-        </p:blipFill>
-        <p:spPr bwMode="auto">
-          <a:xfrm>
-            <a:off x="3670300" y="1816100"/>
-            <a:ext cx="4864100" cy="3835400"/>
-          </a:xfrm>
-          <a:prstGeom prst="rect">
-            <a:avLst/>
-          </a:prstGeom>
-          <a:noFill/>
-          <a:ln w="9525">
-            <a:noFill/>
-            <a:headEnd/>
-            <a:tailEnd/>
-          </a:ln>
-        </p:spPr>
-      </p:pic>
-      <p:sp>
-        <p:nvSpPr>
-          <p:cNvPr id="1" name="TextBox 3"/>
-          <p:cNvSpPr txBox="1"/>
-          <p:nvPr/>
-        </p:nvSpPr>
-        <p:spPr>
-          <a:xfrm>
-            <a:off x="838200" y="5651500"/>
-            <a:ext cx="10515600" cy="508000"/>
-          </a:xfrm>
-          <a:prstGeom prst="rect">
-            <a:avLst/>
-          </a:prstGeom>
-          <a:noFill/>
-        </p:spPr>
-        <p:txBody>
-          <a:bodyPr/>
-          <a:lstStyle/>
-          <a:p>
-            <a:pPr lvl="0" marL="0" indent="0" algn="ctr">
-              <a:buNone/>
-            </a:pPr>
-            <a:r>
-              <a:rPr/>
-              <a:t>html</a:t>
-            </a:r>
-            <a:r>
-              <a:rPr/>
-              <a:t> </a:t>
-            </a:r>
-            <a:r>
-              <a:rPr/>
-              <a:t>output</a:t>
-            </a:r>
-          </a:p>
-        </p:txBody>
-      </p:sp>
     </p:spTree>
   </p:cSld>
 </p:sld>

--- a/PHClassWRMd.pptx
+++ b/PHClassWRMd.pptx
@@ -32,6 +32,7 @@
     <p:sldId id="280" r:id="rId26"/>
     <p:sldId id="281" r:id="rId27"/>
     <p:sldId id="282" r:id="rId28"/>
+    <p:sldId id="283" r:id="rId29"/>
   </p:sldIdLst>
   <p:sldSz cx="12192000" cy="6858000"/>
   <p:notesSz cx="6858000" cy="9144000"/>
@@ -3652,6 +3653,58 @@
           <a:chExt cx="0" cy="0"/>
         </a:xfrm>
       </p:grpSpPr>
+      <p:pic>
+        <p:nvPicPr>
+          <p:cNvPr descr="PHClassWRMd_files/figure-pptx/unnamed-chunk-2-1.png" id="0" name="Picture 1"/>
+          <p:cNvPicPr>
+            <a:picLocks noGrp="1" noChangeAspect="1"/>
+          </p:cNvPicPr>
+          <p:nvPr/>
+        </p:nvPicPr>
+        <p:blipFill>
+          <a:blip r:embed="rId2"/>
+          <a:stretch>
+            <a:fillRect/>
+          </a:stretch>
+        </p:blipFill>
+        <p:spPr bwMode="auto">
+          <a:xfrm>
+            <a:off x="3378200" y="1816100"/>
+            <a:ext cx="5435600" cy="4343400"/>
+          </a:xfrm>
+          <a:prstGeom prst="rect">
+            <a:avLst/>
+          </a:prstGeom>
+          <a:noFill/>
+          <a:ln w="9525">
+            <a:noFill/>
+            <a:headEnd/>
+            <a:tailEnd/>
+          </a:ln>
+        </p:spPr>
+      </p:pic>
+    </p:spTree>
+  </p:cSld>
+</p:sld>
+</file>
+
+<file path=ppt/slides/slide11.xml><?xml version="1.0" encoding="utf-8"?>
+<p:sld xmlns:a="http://schemas.openxmlformats.org/drawingml/2006/main" xmlns:r="http://schemas.openxmlformats.org/officeDocument/2006/relationships" xmlns:p="http://schemas.openxmlformats.org/presentationml/2006/main">
+  <p:cSld>
+    <p:spTree>
+      <p:nvGrpSpPr>
+        <p:cNvPr id="1" name=""/>
+        <p:cNvGrpSpPr/>
+        <p:nvPr/>
+      </p:nvGrpSpPr>
+      <p:grpSpPr>
+        <a:xfrm>
+          <a:off x="0" y="0"/>
+          <a:ext cx="0" cy="0"/>
+          <a:chOff x="0" y="0"/>
+          <a:chExt cx="0" cy="0"/>
+        </a:xfrm>
+      </p:grpSpPr>
       <p:sp>
         <p:nvSpPr>
           <p:cNvPr id="2" name="Title 1">
@@ -3678,7 +3731,7 @@
             </a:pPr>
             <a:r>
               <a:rPr/>
-              <a:t>Medical</a:t>
+              <a:t>SPSS</a:t>
             </a:r>
             <a:r>
               <a:rPr/>
@@ -3686,23 +3739,7 @@
             </a:r>
             <a:r>
               <a:rPr/>
-              <a:t>Statistic</a:t>
-            </a:r>
-            <a:r>
-              <a:rPr/>
-              <a:t> </a:t>
-            </a:r>
-            <a:r>
-              <a:rPr/>
-              <a:t>with</a:t>
-            </a:r>
-            <a:r>
-              <a:rPr/>
-              <a:t> </a:t>
-            </a:r>
-            <a:r>
-              <a:rPr/>
-              <a:t>SPSS</a:t>
+              <a:t>Output</a:t>
             </a:r>
           </a:p>
         </p:txBody>
@@ -3742,7 +3779,7 @@
 </p:sld>
 </file>
 
-<file path=ppt/slides/slide11.xml><?xml version="1.0" encoding="utf-8"?>
+<file path=ppt/slides/slide12.xml><?xml version="1.0" encoding="utf-8"?>
 <p:sld xmlns:a="http://schemas.openxmlformats.org/drawingml/2006/main" xmlns:r="http://schemas.openxmlformats.org/officeDocument/2006/relationships" xmlns:p="http://schemas.openxmlformats.org/presentationml/2006/main">
   <p:cSld>
     <p:spTree>
@@ -3785,7 +3822,7 @@
             </a:pPr>
             <a:r>
               <a:rPr/>
-              <a:t>Medical</a:t>
+              <a:t>Copying</a:t>
             </a:r>
             <a:r>
               <a:rPr/>
@@ -3793,7 +3830,7 @@
             </a:r>
             <a:r>
               <a:rPr/>
-              <a:t>Statistic</a:t>
+              <a:t>SPSS</a:t>
             </a:r>
             <a:r>
               <a:rPr/>
@@ -3801,15 +3838,7 @@
             </a:r>
             <a:r>
               <a:rPr/>
-              <a:t>with</a:t>
-            </a:r>
-            <a:r>
-              <a:rPr/>
-              <a:t> </a:t>
-            </a:r>
-            <a:r>
-              <a:rPr/>
-              <a:t>SPSS</a:t>
+              <a:t>output</a:t>
             </a:r>
           </a:p>
         </p:txBody>
@@ -3849,7 +3878,7 @@
 </p:sld>
 </file>
 
-<file path=ppt/slides/slide12.xml><?xml version="1.0" encoding="utf-8"?>
+<file path=ppt/slides/slide13.xml><?xml version="1.0" encoding="utf-8"?>
 <p:sld xmlns:a="http://schemas.openxmlformats.org/drawingml/2006/main" xmlns:r="http://schemas.openxmlformats.org/officeDocument/2006/relationships" xmlns:p="http://schemas.openxmlformats.org/presentationml/2006/main">
   <p:cSld>
     <p:spTree>
@@ -3983,7 +4012,7 @@
 </p:sld>
 </file>
 
-<file path=ppt/slides/slide13.xml><?xml version="1.0" encoding="utf-8"?>
+<file path=ppt/slides/slide14.xml><?xml version="1.0" encoding="utf-8"?>
 <p:sld xmlns:a="http://schemas.openxmlformats.org/drawingml/2006/main" xmlns:r="http://schemas.openxmlformats.org/officeDocument/2006/relationships" xmlns:p="http://schemas.openxmlformats.org/presentationml/2006/main">
   <p:cSld>
     <p:spTree>
@@ -4128,7 +4157,7 @@
 </p:sld>
 </file>
 
-<file path=ppt/slides/slide14.xml><?xml version="1.0" encoding="utf-8"?>
+<file path=ppt/slides/slide15.xml><?xml version="1.0" encoding="utf-8"?>
 <p:sld xmlns:a="http://schemas.openxmlformats.org/drawingml/2006/main" xmlns:r="http://schemas.openxmlformats.org/officeDocument/2006/relationships" xmlns:p="http://schemas.openxmlformats.org/presentationml/2006/main">
   <p:cSld>
     <p:spTree>
@@ -4273,7 +4302,7 @@
 </p:sld>
 </file>
 
-<file path=ppt/slides/slide15.xml><?xml version="1.0" encoding="utf-8"?>
+<file path=ppt/slides/slide16.xml><?xml version="1.0" encoding="utf-8"?>
 <p:sld xmlns:a="http://schemas.openxmlformats.org/drawingml/2006/main" xmlns:r="http://schemas.openxmlformats.org/officeDocument/2006/relationships" xmlns:p="http://schemas.openxmlformats.org/presentationml/2006/main">
   <p:cSld>
     <p:spTree>
@@ -4418,7 +4447,7 @@
 </p:sld>
 </file>
 
-<file path=ppt/slides/slide16.xml><?xml version="1.0" encoding="utf-8"?>
+<file path=ppt/slides/slide17.xml><?xml version="1.0" encoding="utf-8"?>
 <p:sld xmlns:a="http://schemas.openxmlformats.org/drawingml/2006/main" xmlns:r="http://schemas.openxmlformats.org/officeDocument/2006/relationships" xmlns:p="http://schemas.openxmlformats.org/presentationml/2006/main">
   <p:cSld>
     <p:spTree>
@@ -4541,7 +4570,7 @@
 </p:sld>
 </file>
 
-<file path=ppt/slides/slide17.xml><?xml version="1.0" encoding="utf-8"?>
+<file path=ppt/slides/slide18.xml><?xml version="1.0" encoding="utf-8"?>
 <p:sld xmlns:a="http://schemas.openxmlformats.org/drawingml/2006/main" xmlns:r="http://schemas.openxmlformats.org/officeDocument/2006/relationships" xmlns:p="http://schemas.openxmlformats.org/presentationml/2006/main">
   <p:cSld>
     <p:spTree>
@@ -4593,97 +4622,6 @@
 </p:sld>
 </file>
 
-<file path=ppt/slides/slide18.xml><?xml version="1.0" encoding="utf-8"?>
-<p:sld xmlns:a="http://schemas.openxmlformats.org/drawingml/2006/main" xmlns:r="http://schemas.openxmlformats.org/officeDocument/2006/relationships" xmlns:p="http://schemas.openxmlformats.org/presentationml/2006/main">
-  <p:cSld>
-    <p:spTree>
-      <p:nvGrpSpPr>
-        <p:cNvPr id="1" name=""/>
-        <p:cNvGrpSpPr/>
-        <p:nvPr/>
-      </p:nvGrpSpPr>
-      <p:grpSpPr>
-        <a:xfrm>
-          <a:off x="0" y="0"/>
-          <a:ext cx="0" cy="0"/>
-          <a:chOff x="0" y="0"/>
-          <a:chExt cx="0" cy="0"/>
-        </a:xfrm>
-      </p:grpSpPr>
-      <p:sp>
-        <p:nvSpPr>
-          <p:cNvPr id="2" name="Title 1">
-            <a:extLst>
-              <a:ext uri="{FF2B5EF4-FFF2-40B4-BE49-F238E27FC236}">
-                <a16:creationId xmlns:a16="http://schemas.microsoft.com/office/drawing/2014/main" id="{A7FC19B4-8A75-49C0-B653-AFBF531C8877}"/>
-              </a:ext>
-            </a:extLst>
-          </p:cNvPr>
-          <p:cNvSpPr>
-            <a:spLocks noGrp="1"/>
-          </p:cNvSpPr>
-          <p:nvPr>
-            <p:ph type="title"/>
-          </p:nvPr>
-        </p:nvSpPr>
-        <p:spPr/>
-        <p:txBody>
-          <a:bodyPr/>
-          <a:lstStyle/>
-          <a:p>
-            <a:pPr lvl="0" marL="0" indent="0">
-              <a:buNone/>
-            </a:pPr>
-            <a:r>
-              <a:rPr/>
-              <a:t>Student</a:t>
-            </a:r>
-          </a:p>
-        </p:txBody>
-      </p:sp>
-      <p:sp>
-        <p:nvSpPr>
-          <p:cNvPr id="3" name="Content Placeholder 2">
-            <a:extLst>
-              <a:ext uri="{FF2B5EF4-FFF2-40B4-BE49-F238E27FC236}">
-                <a16:creationId xmlns:a16="http://schemas.microsoft.com/office/drawing/2014/main" id="{64F42D58-57FC-4A61-A954-87FA5DD4768E}"/>
-              </a:ext>
-            </a:extLst>
-          </p:cNvPr>
-          <p:cNvSpPr>
-            <a:spLocks noGrp="1"/>
-          </p:cNvSpPr>
-          <p:nvPr>
-            <p:ph idx="1"/>
-          </p:nvPr>
-        </p:nvSpPr>
-        <p:spPr/>
-        <p:txBody>
-          <a:bodyPr/>
-          <a:lstStyle/>
-          <a:p>
-            <a:pPr lvl="0" marL="0" indent="0">
-              <a:buNone/>
-            </a:pPr>
-            <a:r>
-              <a:rPr/>
-              <a:t>Of course!</a:t>
-            </a:r>
-          </a:p>
-          <a:p>
-            <a:pPr lvl="1"/>
-            <a:r>
-              <a:rPr/>
-              <a:t>Main reason: reproducible</a:t>
-            </a:r>
-          </a:p>
-        </p:txBody>
-      </p:sp>
-    </p:spTree>
-  </p:cSld>
-</p:sld>
-</file>
-
 <file path=ppt/slides/slide19.xml><?xml version="1.0" encoding="utf-8"?>
 <p:sld xmlns:a="http://schemas.openxmlformats.org/drawingml/2006/main" xmlns:r="http://schemas.openxmlformats.org/officeDocument/2006/relationships" xmlns:p="http://schemas.openxmlformats.org/presentationml/2006/main">
   <p:cSld>
@@ -4729,14 +4667,6 @@
               <a:rPr/>
               <a:t>Student</a:t>
             </a:r>
-            <a:r>
-              <a:rPr/>
-              <a:t> </a:t>
-            </a:r>
-            <a:r>
-              <a:rPr/>
-              <a:t>Assigment</a:t>
-            </a:r>
           </a:p>
         </p:txBody>
       </p:sp>
@@ -4761,17 +4691,21 @@
           <a:bodyPr/>
           <a:lstStyle/>
           <a:p>
-            <a:pPr lvl="1"/>
-            <a:r>
-              <a:rPr/>
-              <a:t>pdf</a:t>
-            </a:r>
-          </a:p>
-          <a:p>
-            <a:pPr lvl="1"/>
-            <a:r>
-              <a:rPr/>
-              <a:t>html</a:t>
+            <a:pPr lvl="0" marL="0" indent="0">
+              <a:buNone/>
+            </a:pPr>
+            <a:r>
+              <a:rPr/>
+              <a:t>Of course!</a:t>
+            </a:r>
+          </a:p>
+          <a:p>
+            <a:pPr lvl="0" marL="0" indent="0">
+              <a:buNone/>
+            </a:pPr>
+            <a:r>
+              <a:rPr/>
+              <a:t>Main reason: reproducible</a:t>
             </a:r>
           </a:p>
         </p:txBody>
@@ -4863,7 +4797,7 @@
             </a:pPr>
             <a:r>
               <a:rPr/>
-              <a:t>Aim: Introductory</a:t>
+              <a:t>Aim: Experience sharing</a:t>
             </a:r>
           </a:p>
           <a:p>
@@ -4925,6 +4859,112 @@
 </file>
 
 <file path=ppt/slides/slide20.xml><?xml version="1.0" encoding="utf-8"?>
+<p:sld xmlns:a="http://schemas.openxmlformats.org/drawingml/2006/main" xmlns:r="http://schemas.openxmlformats.org/officeDocument/2006/relationships" xmlns:p="http://schemas.openxmlformats.org/presentationml/2006/main">
+  <p:cSld>
+    <p:spTree>
+      <p:nvGrpSpPr>
+        <p:cNvPr id="1" name=""/>
+        <p:cNvGrpSpPr/>
+        <p:nvPr/>
+      </p:nvGrpSpPr>
+      <p:grpSpPr>
+        <a:xfrm>
+          <a:off x="0" y="0"/>
+          <a:ext cx="0" cy="0"/>
+          <a:chOff x="0" y="0"/>
+          <a:chExt cx="0" cy="0"/>
+        </a:xfrm>
+      </p:grpSpPr>
+      <p:sp>
+        <p:nvSpPr>
+          <p:cNvPr id="2" name="Title 1">
+            <a:extLst>
+              <a:ext uri="{FF2B5EF4-FFF2-40B4-BE49-F238E27FC236}">
+                <a16:creationId xmlns:a16="http://schemas.microsoft.com/office/drawing/2014/main" id="{A7FC19B4-8A75-49C0-B653-AFBF531C8877}"/>
+              </a:ext>
+            </a:extLst>
+          </p:cNvPr>
+          <p:cNvSpPr>
+            <a:spLocks noGrp="1"/>
+          </p:cNvSpPr>
+          <p:nvPr>
+            <p:ph type="title"/>
+          </p:nvPr>
+        </p:nvSpPr>
+        <p:spPr/>
+        <p:txBody>
+          <a:bodyPr/>
+          <a:lstStyle/>
+          <a:p>
+            <a:pPr lvl="0" marL="0" indent="0">
+              <a:buNone/>
+            </a:pPr>
+            <a:r>
+              <a:rPr/>
+              <a:t>Student</a:t>
+            </a:r>
+            <a:r>
+              <a:rPr/>
+              <a:t> </a:t>
+            </a:r>
+            <a:r>
+              <a:rPr/>
+              <a:t>Assigment</a:t>
+            </a:r>
+          </a:p>
+        </p:txBody>
+      </p:sp>
+      <p:sp>
+        <p:nvSpPr>
+          <p:cNvPr id="3" name="Content Placeholder 2">
+            <a:extLst>
+              <a:ext uri="{FF2B5EF4-FFF2-40B4-BE49-F238E27FC236}">
+                <a16:creationId xmlns:a16="http://schemas.microsoft.com/office/drawing/2014/main" id="{64F42D58-57FC-4A61-A954-87FA5DD4768E}"/>
+              </a:ext>
+            </a:extLst>
+          </p:cNvPr>
+          <p:cNvSpPr>
+            <a:spLocks noGrp="1"/>
+          </p:cNvSpPr>
+          <p:nvPr>
+            <p:ph idx="1"/>
+          </p:nvPr>
+        </p:nvSpPr>
+        <p:spPr/>
+        <p:txBody>
+          <a:bodyPr/>
+          <a:lstStyle/>
+          <a:p>
+            <a:pPr lvl="0" marL="0" indent="0">
+              <a:buNone/>
+            </a:pPr>
+            <a:r>
+              <a:rPr/>
+              <a:t>Report output</a:t>
+            </a:r>
+          </a:p>
+          <a:p>
+            <a:pPr lvl="1"/>
+            <a:r>
+              <a:rPr/>
+              <a:t>pdf</a:t>
+            </a:r>
+          </a:p>
+          <a:p>
+            <a:pPr lvl="1"/>
+            <a:r>
+              <a:rPr/>
+              <a:t>html</a:t>
+            </a:r>
+          </a:p>
+        </p:txBody>
+      </p:sp>
+    </p:spTree>
+  </p:cSld>
+</p:sld>
+</file>
+
+<file path=ppt/slides/slide21.xml><?xml version="1.0" encoding="utf-8"?>
 <p:sld xmlns:a="http://schemas.openxmlformats.org/drawingml/2006/main" xmlns:r="http://schemas.openxmlformats.org/officeDocument/2006/relationships" xmlns:p="http://schemas.openxmlformats.org/presentationml/2006/main">
   <p:cSld>
     <p:spTree>
@@ -5053,7 +5093,7 @@
 </p:sld>
 </file>
 
-<file path=ppt/slides/slide21.xml><?xml version="1.0" encoding="utf-8"?>
+<file path=ppt/slides/slide22.xml><?xml version="1.0" encoding="utf-8"?>
 <p:sld xmlns:a="http://schemas.openxmlformats.org/drawingml/2006/main" xmlns:r="http://schemas.openxmlformats.org/officeDocument/2006/relationships" xmlns:p="http://schemas.openxmlformats.org/presentationml/2006/main">
   <p:cSld>
     <p:spTree>
@@ -5182,7 +5222,7 @@
 </p:sld>
 </file>
 
-<file path=ppt/slides/slide22.xml><?xml version="1.0" encoding="utf-8"?>
+<file path=ppt/slides/slide23.xml><?xml version="1.0" encoding="utf-8"?>
 <p:sld xmlns:a="http://schemas.openxmlformats.org/drawingml/2006/main" xmlns:r="http://schemas.openxmlformats.org/officeDocument/2006/relationships" xmlns:p="http://schemas.openxmlformats.org/presentationml/2006/main">
   <p:cSld>
     <p:spTree>
@@ -5262,14 +5302,14 @@
             <a:pPr lvl="1"/>
             <a:r>
               <a:rPr/>
-              <a:t>manual</a:t>
+              <a:t>Manual</a:t>
             </a:r>
           </a:p>
           <a:p>
             <a:pPr lvl="1"/>
             <a:r>
               <a:rPr/>
-              <a:t>publish</a:t>
+              <a:t>Publish</a:t>
             </a:r>
           </a:p>
           <a:p>
@@ -5293,7 +5333,7 @@
 </p:sld>
 </file>
 
-<file path=ppt/slides/slide23.xml><?xml version="1.0" encoding="utf-8"?>
+<file path=ppt/slides/slide24.xml><?xml version="1.0" encoding="utf-8"?>
 <p:sld xmlns:a="http://schemas.openxmlformats.org/drawingml/2006/main" xmlns:r="http://schemas.openxmlformats.org/officeDocument/2006/relationships" xmlns:p="http://schemas.openxmlformats.org/presentationml/2006/main">
   <p:cSld>
     <p:spTree>
@@ -5422,97 +5462,6 @@
 </p:sld>
 </file>
 
-<file path=ppt/slides/slide24.xml><?xml version="1.0" encoding="utf-8"?>
-<p:sld xmlns:a="http://schemas.openxmlformats.org/drawingml/2006/main" xmlns:r="http://schemas.openxmlformats.org/officeDocument/2006/relationships" xmlns:p="http://schemas.openxmlformats.org/presentationml/2006/main">
-  <p:cSld>
-    <p:spTree>
-      <p:nvGrpSpPr>
-        <p:cNvPr id="1" name=""/>
-        <p:cNvGrpSpPr/>
-        <p:nvPr/>
-      </p:nvGrpSpPr>
-      <p:grpSpPr>
-        <a:xfrm>
-          <a:off x="0" y="0"/>
-          <a:ext cx="0" cy="0"/>
-          <a:chOff x="0" y="0"/>
-          <a:chExt cx="0" cy="0"/>
-        </a:xfrm>
-      </p:grpSpPr>
-      <p:sp>
-        <p:nvSpPr>
-          <p:cNvPr id="2" name="Title 1">
-            <a:extLst>
-              <a:ext uri="{FF2B5EF4-FFF2-40B4-BE49-F238E27FC236}">
-                <a16:creationId xmlns:a16="http://schemas.microsoft.com/office/drawing/2014/main" id="{A7FC19B4-8A75-49C0-B653-AFBF531C8877}"/>
-              </a:ext>
-            </a:extLst>
-          </p:cNvPr>
-          <p:cNvSpPr>
-            <a:spLocks noGrp="1"/>
-          </p:cNvSpPr>
-          <p:nvPr>
-            <p:ph type="title"/>
-          </p:nvPr>
-        </p:nvSpPr>
-        <p:spPr/>
-        <p:txBody>
-          <a:bodyPr/>
-          <a:lstStyle/>
-          <a:p>
-            <a:pPr lvl="0" marL="0" indent="0">
-              <a:buNone/>
-            </a:pPr>
-            <a:r>
-              <a:rPr/>
-              <a:t>Assignment</a:t>
-            </a:r>
-            <a:r>
-              <a:rPr/>
-              <a:t> </a:t>
-            </a:r>
-            <a:r>
-              <a:rPr/>
-              <a:t>Submission</a:t>
-            </a:r>
-          </a:p>
-        </p:txBody>
-      </p:sp>
-      <p:pic>
-        <p:nvPicPr>
-          <p:cNvPr descr="submit%20publish.png" id="0" name="Picture 1"/>
-          <p:cNvPicPr>
-            <a:picLocks noGrp="1" noChangeAspect="1"/>
-          </p:cNvPicPr>
-          <p:nvPr/>
-        </p:nvPicPr>
-        <p:blipFill>
-          <a:blip r:embed="rId2"/>
-          <a:stretch>
-            <a:fillRect/>
-          </a:stretch>
-        </p:blipFill>
-        <p:spPr bwMode="auto">
-          <a:xfrm>
-            <a:off x="3517900" y="1816100"/>
-            <a:ext cx="5156200" cy="4343400"/>
-          </a:xfrm>
-          <a:prstGeom prst="rect">
-            <a:avLst/>
-          </a:prstGeom>
-          <a:noFill/>
-          <a:ln w="9525">
-            <a:noFill/>
-            <a:headEnd/>
-            <a:tailEnd/>
-          </a:ln>
-        </p:spPr>
-      </p:pic>
-    </p:spTree>
-  </p:cSld>
-</p:sld>
-</file>
-
 <file path=ppt/slides/slide25.xml><?xml version="1.0" encoding="utf-8"?>
 <p:sld xmlns:a="http://schemas.openxmlformats.org/drawingml/2006/main" xmlns:r="http://schemas.openxmlformats.org/officeDocument/2006/relationships" xmlns:p="http://schemas.openxmlformats.org/presentationml/2006/main">
   <p:cSld>
@@ -5571,7 +5520,7 @@
       </p:sp>
       <p:pic>
         <p:nvPicPr>
-          <p:cNvPr descr="submit%20publish2.png" id="0" name="Picture 1"/>
+          <p:cNvPr descr="submit%20publish.png" id="0" name="Picture 1"/>
           <p:cNvPicPr>
             <a:picLocks noGrp="1" noChangeAspect="1"/>
           </p:cNvPicPr>
@@ -5662,6 +5611,97 @@
       </p:sp>
       <p:pic>
         <p:nvPicPr>
+          <p:cNvPr descr="submit%20publish2.png" id="0" name="Picture 1"/>
+          <p:cNvPicPr>
+            <a:picLocks noGrp="1" noChangeAspect="1"/>
+          </p:cNvPicPr>
+          <p:nvPr/>
+        </p:nvPicPr>
+        <p:blipFill>
+          <a:blip r:embed="rId2"/>
+          <a:stretch>
+            <a:fillRect/>
+          </a:stretch>
+        </p:blipFill>
+        <p:spPr bwMode="auto">
+          <a:xfrm>
+            <a:off x="3517900" y="1816100"/>
+            <a:ext cx="5156200" cy="4343400"/>
+          </a:xfrm>
+          <a:prstGeom prst="rect">
+            <a:avLst/>
+          </a:prstGeom>
+          <a:noFill/>
+          <a:ln w="9525">
+            <a:noFill/>
+            <a:headEnd/>
+            <a:tailEnd/>
+          </a:ln>
+        </p:spPr>
+      </p:pic>
+    </p:spTree>
+  </p:cSld>
+</p:sld>
+</file>
+
+<file path=ppt/slides/slide27.xml><?xml version="1.0" encoding="utf-8"?>
+<p:sld xmlns:a="http://schemas.openxmlformats.org/drawingml/2006/main" xmlns:r="http://schemas.openxmlformats.org/officeDocument/2006/relationships" xmlns:p="http://schemas.openxmlformats.org/presentationml/2006/main">
+  <p:cSld>
+    <p:spTree>
+      <p:nvGrpSpPr>
+        <p:cNvPr id="1" name=""/>
+        <p:cNvGrpSpPr/>
+        <p:nvPr/>
+      </p:nvGrpSpPr>
+      <p:grpSpPr>
+        <a:xfrm>
+          <a:off x="0" y="0"/>
+          <a:ext cx="0" cy="0"/>
+          <a:chOff x="0" y="0"/>
+          <a:chExt cx="0" cy="0"/>
+        </a:xfrm>
+      </p:grpSpPr>
+      <p:sp>
+        <p:nvSpPr>
+          <p:cNvPr id="2" name="Title 1">
+            <a:extLst>
+              <a:ext uri="{FF2B5EF4-FFF2-40B4-BE49-F238E27FC236}">
+                <a16:creationId xmlns:a16="http://schemas.microsoft.com/office/drawing/2014/main" id="{A7FC19B4-8A75-49C0-B653-AFBF531C8877}"/>
+              </a:ext>
+            </a:extLst>
+          </p:cNvPr>
+          <p:cNvSpPr>
+            <a:spLocks noGrp="1"/>
+          </p:cNvSpPr>
+          <p:nvPr>
+            <p:ph type="title"/>
+          </p:nvPr>
+        </p:nvSpPr>
+        <p:spPr/>
+        <p:txBody>
+          <a:bodyPr/>
+          <a:lstStyle/>
+          <a:p>
+            <a:pPr lvl="0" marL="0" indent="0">
+              <a:buNone/>
+            </a:pPr>
+            <a:r>
+              <a:rPr/>
+              <a:t>Assignment</a:t>
+            </a:r>
+            <a:r>
+              <a:rPr/>
+              <a:t> </a:t>
+            </a:r>
+            <a:r>
+              <a:rPr/>
+              <a:t>Submission</a:t>
+            </a:r>
+          </a:p>
+        </p:txBody>
+      </p:sp>
+      <p:pic>
+        <p:nvPicPr>
           <p:cNvPr descr="submit%20publish3.png" id="0" name="Picture 1"/>
           <p:cNvPicPr>
             <a:picLocks noGrp="1" noChangeAspect="1"/>
@@ -5695,7 +5735,7 @@
 </p:sld>
 </file>
 
-<file path=ppt/slides/slide27.xml><?xml version="1.0" encoding="utf-8"?>
+<file path=ppt/slides/slide28.xml><?xml version="1.0" encoding="utf-8"?>
 <p:sld xmlns:a="http://schemas.openxmlformats.org/drawingml/2006/main" xmlns:r="http://schemas.openxmlformats.org/officeDocument/2006/relationships" xmlns:p="http://schemas.openxmlformats.org/presentationml/2006/main">
   <p:cSld>
     <p:spTree>
@@ -6229,6 +6269,45 @@
       </p:grpSpPr>
       <p:sp>
         <p:nvSpPr>
+          <p:cNvPr id="2" name="Title 1">
+            <a:extLst>
+              <a:ext uri="{FF2B5EF4-FFF2-40B4-BE49-F238E27FC236}">
+                <a16:creationId xmlns:a16="http://schemas.microsoft.com/office/drawing/2014/main" id="{A7FC19B4-8A75-49C0-B653-AFBF531C8877}"/>
+              </a:ext>
+            </a:extLst>
+          </p:cNvPr>
+          <p:cNvSpPr>
+            <a:spLocks noGrp="1"/>
+          </p:cNvSpPr>
+          <p:nvPr>
+            <p:ph type="title"/>
+          </p:nvPr>
+        </p:nvSpPr>
+        <p:spPr/>
+        <p:txBody>
+          <a:bodyPr/>
+          <a:lstStyle/>
+          <a:p>
+            <a:pPr lvl="0" marL="0" indent="0">
+              <a:buNone/>
+            </a:pPr>
+            <a:r>
+              <a:rPr/>
+              <a:t>Teaching</a:t>
+            </a:r>
+            <a:r>
+              <a:rPr/>
+              <a:t> </a:t>
+            </a:r>
+            <a:r>
+              <a:rPr/>
+              <a:t>Statistic</a:t>
+            </a:r>
+          </a:p>
+        </p:txBody>
+      </p:sp>
+      <p:sp>
+        <p:nvSpPr>
           <p:cNvPr id="3" name="Content Placeholder 2">
             <a:extLst>
               <a:ext uri="{FF2B5EF4-FFF2-40B4-BE49-F238E27FC236}">
@@ -6248,64 +6327,17 @@
           <a:bodyPr/>
           <a:lstStyle/>
           <a:p>
-            <a:pPr lvl="0" marL="0" indent="0">
-              <a:buNone/>
-            </a:pPr>
-            <a:r>
-              <a:rPr/>
-              <a:t> ## Teaching Statistic</a:t>
-            </a:r>
-          </a:p>
-          <a:p>
             <a:pPr lvl="1"/>
             <a:r>
               <a:rPr/>
-              <a:t>fast, reproducible</a:t>
-            </a:r>
-          </a:p>
-          <a:p>
-            <a:pPr lvl="0" marL="0" indent="0">
-              <a:buNone/>
-            </a:pPr>
-            <a:r>
-              <a:rPr/>
-              <a:t>x &lt;- runif(100, 5, 10)</a:t>
-            </a:r>
-          </a:p>
-          <a:p>
-            <a:pPr lvl="0" marL="0" indent="0">
-              <a:buNone/>
-            </a:pPr>
-            <a:r>
-              <a:rPr/>
-              <a:t>y &lt;- sample(5:10, 100, replace = T)</a:t>
-            </a:r>
-          </a:p>
-          <a:p>
-            <a:pPr lvl="0" marL="0" indent="0">
-              <a:buNone/>
-            </a:pPr>
-            <a:r>
-              <a:rPr/>
-              <a:t>y2 &lt;- (x+y/2)</a:t>
-            </a:r>
-          </a:p>
-          <a:p>
-            <a:pPr lvl="0" marL="0" indent="0">
-              <a:buNone/>
-            </a:pPr>
-            <a:r>
-              <a:rPr/>
-              <a:t>fake &lt;- data.frame(x,y,y2)</a:t>
-            </a:r>
-          </a:p>
-          <a:p>
-            <a:pPr lvl="0" marL="0" indent="0">
-              <a:buNone/>
-            </a:pPr>
-            <a:r>
-              <a:rPr/>
-              <a:t>with(fake, plot(x,y2))</a:t>
+              <a:t>fast</a:t>
+            </a:r>
+          </a:p>
+          <a:p>
+            <a:pPr lvl="1"/>
+            <a:r>
+              <a:rPr/>
+              <a:t>reproducible</a:t>
             </a:r>
           </a:p>
         </p:txBody>
@@ -6316,6 +6348,134 @@
 </file>
 
 <file path=ppt/slides/slide7.xml><?xml version="1.0" encoding="utf-8"?>
+<p:sld xmlns:a="http://schemas.openxmlformats.org/drawingml/2006/main" xmlns:r="http://schemas.openxmlformats.org/officeDocument/2006/relationships" xmlns:p="http://schemas.openxmlformats.org/presentationml/2006/main">
+  <p:cSld>
+    <p:spTree>
+      <p:nvGrpSpPr>
+        <p:cNvPr id="1" name=""/>
+        <p:cNvGrpSpPr/>
+        <p:nvPr/>
+      </p:nvGrpSpPr>
+      <p:grpSpPr>
+        <a:xfrm>
+          <a:off x="0" y="0"/>
+          <a:ext cx="0" cy="0"/>
+          <a:chOff x="0" y="0"/>
+          <a:chExt cx="0" cy="0"/>
+        </a:xfrm>
+      </p:grpSpPr>
+      <p:sp>
+        <p:nvSpPr>
+          <p:cNvPr id="2" name="Title 1">
+            <a:extLst>
+              <a:ext uri="{FF2B5EF4-FFF2-40B4-BE49-F238E27FC236}">
+                <a16:creationId xmlns:a16="http://schemas.microsoft.com/office/drawing/2014/main" id="{A7FC19B4-8A75-49C0-B653-AFBF531C8877}"/>
+              </a:ext>
+            </a:extLst>
+          </p:cNvPr>
+          <p:cNvSpPr>
+            <a:spLocks noGrp="1"/>
+          </p:cNvSpPr>
+          <p:nvPr>
+            <p:ph type="title"/>
+          </p:nvPr>
+        </p:nvSpPr>
+        <p:spPr/>
+        <p:txBody>
+          <a:bodyPr/>
+          <a:lstStyle/>
+          <a:p>
+            <a:pPr lvl="0" marL="0" indent="0">
+              <a:buNone/>
+            </a:pPr>
+            <a:r>
+              <a:rPr/>
+              <a:t>Teaching</a:t>
+            </a:r>
+            <a:r>
+              <a:rPr/>
+              <a:t> </a:t>
+            </a:r>
+            <a:r>
+              <a:rPr/>
+              <a:t>Statistic</a:t>
+            </a:r>
+          </a:p>
+        </p:txBody>
+      </p:sp>
+      <p:sp>
+        <p:nvSpPr>
+          <p:cNvPr id="3" name="Content Placeholder 2">
+            <a:extLst>
+              <a:ext uri="{FF2B5EF4-FFF2-40B4-BE49-F238E27FC236}">
+                <a16:creationId xmlns:a16="http://schemas.microsoft.com/office/drawing/2014/main" id="{64F42D58-57FC-4A61-A954-87FA5DD4768E}"/>
+              </a:ext>
+            </a:extLst>
+          </p:cNvPr>
+          <p:cNvSpPr>
+            <a:spLocks noGrp="1"/>
+          </p:cNvSpPr>
+          <p:nvPr>
+            <p:ph idx="1"/>
+          </p:nvPr>
+        </p:nvSpPr>
+        <p:spPr/>
+        <p:txBody>
+          <a:bodyPr/>
+          <a:lstStyle/>
+          <a:p>
+            <a:pPr lvl="0" marL="0" indent="0">
+              <a:buNone/>
+            </a:pPr>
+            <a:r>
+              <a:rPr/>
+              <a:t>x &lt;- runif(100, 5, 10)</a:t>
+            </a:r>
+          </a:p>
+          <a:p>
+            <a:pPr lvl="0" marL="0" indent="0">
+              <a:buNone/>
+            </a:pPr>
+            <a:r>
+              <a:rPr/>
+              <a:t>y &lt;- sample(5:10, 100, replace = T)</a:t>
+            </a:r>
+          </a:p>
+          <a:p>
+            <a:pPr lvl="0" marL="0" indent="0">
+              <a:buNone/>
+            </a:pPr>
+            <a:r>
+              <a:rPr/>
+              <a:t>y2 &lt;- (x+y/2)</a:t>
+            </a:r>
+          </a:p>
+          <a:p>
+            <a:pPr lvl="0" marL="0" indent="0">
+              <a:buNone/>
+            </a:pPr>
+            <a:r>
+              <a:rPr/>
+              <a:t>fake &lt;- data.frame(x,y,y2)</a:t>
+            </a:r>
+          </a:p>
+          <a:p>
+            <a:pPr lvl="0" marL="0" indent="0">
+              <a:buNone/>
+            </a:pPr>
+            <a:r>
+              <a:rPr/>
+              <a:t>with(fake, plot(x,y2))</a:t>
+            </a:r>
+          </a:p>
+        </p:txBody>
+      </p:sp>
+    </p:spTree>
+  </p:cSld>
+</p:sld>
+</file>
+
+<file path=ppt/slides/slide8.xml><?xml version="1.0" encoding="utf-8"?>
 <p:sld xmlns:a="http://schemas.openxmlformats.org/drawingml/2006/main" xmlns:r="http://schemas.openxmlformats.org/officeDocument/2006/relationships" xmlns:p="http://schemas.openxmlformats.org/presentationml/2006/main">
   <p:cSld>
     <p:spTree>
@@ -6367,106 +6527,6 @@
 </p:sld>
 </file>
 
-<file path=ppt/slides/slide8.xml><?xml version="1.0" encoding="utf-8"?>
-<p:sld xmlns:a="http://schemas.openxmlformats.org/drawingml/2006/main" xmlns:r="http://schemas.openxmlformats.org/officeDocument/2006/relationships" xmlns:p="http://schemas.openxmlformats.org/presentationml/2006/main">
-  <p:cSld>
-    <p:spTree>
-      <p:nvGrpSpPr>
-        <p:cNvPr id="1" name=""/>
-        <p:cNvGrpSpPr/>
-        <p:nvPr/>
-      </p:nvGrpSpPr>
-      <p:grpSpPr>
-        <a:xfrm>
-          <a:off x="0" y="0"/>
-          <a:ext cx="0" cy="0"/>
-          <a:chOff x="0" y="0"/>
-          <a:chExt cx="0" cy="0"/>
-        </a:xfrm>
-      </p:grpSpPr>
-      <p:sp>
-        <p:nvSpPr>
-          <p:cNvPr id="2" name="Title 1">
-            <a:extLst>
-              <a:ext uri="{FF2B5EF4-FFF2-40B4-BE49-F238E27FC236}">
-                <a16:creationId xmlns:a16="http://schemas.microsoft.com/office/drawing/2014/main" id="{A7FC19B4-8A75-49C0-B653-AFBF531C8877}"/>
-              </a:ext>
-            </a:extLst>
-          </p:cNvPr>
-          <p:cNvSpPr>
-            <a:spLocks noGrp="1"/>
-          </p:cNvSpPr>
-          <p:nvPr>
-            <p:ph type="title"/>
-          </p:nvPr>
-        </p:nvSpPr>
-        <p:spPr/>
-        <p:txBody>
-          <a:bodyPr/>
-          <a:lstStyle/>
-          <a:p>
-            <a:pPr lvl="0" marL="0" indent="0">
-              <a:buNone/>
-            </a:pPr>
-            <a:r>
-              <a:rPr/>
-              <a:t>Tidyverse</a:t>
-            </a:r>
-          </a:p>
-        </p:txBody>
-      </p:sp>
-      <p:sp>
-        <p:nvSpPr>
-          <p:cNvPr id="3" name="Content Placeholder 2">
-            <a:extLst>
-              <a:ext uri="{FF2B5EF4-FFF2-40B4-BE49-F238E27FC236}">
-                <a16:creationId xmlns:a16="http://schemas.microsoft.com/office/drawing/2014/main" id="{64F42D58-57FC-4A61-A954-87FA5DD4768E}"/>
-              </a:ext>
-            </a:extLst>
-          </p:cNvPr>
-          <p:cNvSpPr>
-            <a:spLocks noGrp="1"/>
-          </p:cNvSpPr>
-          <p:nvPr>
-            <p:ph idx="1"/>
-          </p:nvPr>
-        </p:nvSpPr>
-        <p:spPr/>
-        <p:txBody>
-          <a:bodyPr/>
-          <a:lstStyle/>
-          <a:p>
-            <a:pPr lvl="1"/>
-            <a:r>
-              <a:rPr/>
-              <a:t>example using tidyverse</a:t>
-            </a:r>
-          </a:p>
-          <a:p>
-            <a:pPr lvl="0" marL="0" indent="0">
-              <a:buNone/>
-            </a:pPr>
-            <a:r>
-              <a:rPr/>
-              <a:t>tibble(x=runif(100, 5, 10), y2=(x+sample(5:10, 100, replace = T))/2)</a:t>
-            </a:r>
-          </a:p>
-          <a:p>
-            <a:pPr lvl="0" marL="0" indent="0">
-              <a:buNone/>
-            </a:pPr>
-            <a:r>
-              <a:rPr/>
-              <a:t>%&gt;% ggplot(aes(x,y2)) + geom_point()</a:t>
-            </a:r>
-          </a:p>
-        </p:txBody>
-      </p:sp>
-    </p:spTree>
-  </p:cSld>
-</p:sld>
-</file>
-
 <file path=ppt/slides/slide9.xml><?xml version="1.0" encoding="utf-8"?>
 <p:sld xmlns:a="http://schemas.openxmlformats.org/drawingml/2006/main" xmlns:r="http://schemas.openxmlformats.org/officeDocument/2006/relationships" xmlns:p="http://schemas.openxmlformats.org/presentationml/2006/main">
   <p:cSld>
@@ -6484,36 +6544,77 @@
           <a:chExt cx="0" cy="0"/>
         </a:xfrm>
       </p:grpSpPr>
-      <p:pic>
-        <p:nvPicPr>
-          <p:cNvPr descr="PHClassWRMd_files/figure-pptx/unnamed-chunk-2-1.png" id="0" name="Picture 1"/>
-          <p:cNvPicPr>
-            <a:picLocks noGrp="1" noChangeAspect="1"/>
-          </p:cNvPicPr>
-          <p:nvPr/>
-        </p:nvPicPr>
-        <p:blipFill>
-          <a:blip r:embed="rId2"/>
-          <a:stretch>
-            <a:fillRect/>
-          </a:stretch>
-        </p:blipFill>
-        <p:spPr bwMode="auto">
-          <a:xfrm>
-            <a:off x="3378200" y="1816100"/>
-            <a:ext cx="5435600" cy="4343400"/>
-          </a:xfrm>
-          <a:prstGeom prst="rect">
-            <a:avLst/>
-          </a:prstGeom>
-          <a:noFill/>
-          <a:ln w="9525">
-            <a:noFill/>
-            <a:headEnd/>
-            <a:tailEnd/>
-          </a:ln>
-        </p:spPr>
-      </p:pic>
+      <p:sp>
+        <p:nvSpPr>
+          <p:cNvPr id="2" name="Title 1">
+            <a:extLst>
+              <a:ext uri="{FF2B5EF4-FFF2-40B4-BE49-F238E27FC236}">
+                <a16:creationId xmlns:a16="http://schemas.microsoft.com/office/drawing/2014/main" id="{A7FC19B4-8A75-49C0-B653-AFBF531C8877}"/>
+              </a:ext>
+            </a:extLst>
+          </p:cNvPr>
+          <p:cNvSpPr>
+            <a:spLocks noGrp="1"/>
+          </p:cNvSpPr>
+          <p:nvPr>
+            <p:ph type="title"/>
+          </p:nvPr>
+        </p:nvSpPr>
+        <p:spPr/>
+        <p:txBody>
+          <a:bodyPr/>
+          <a:lstStyle/>
+          <a:p>
+            <a:pPr lvl="0" marL="0" indent="0">
+              <a:buNone/>
+            </a:pPr>
+            <a:r>
+              <a:rPr/>
+              <a:t>Tidyverse</a:t>
+            </a:r>
+          </a:p>
+        </p:txBody>
+      </p:sp>
+      <p:sp>
+        <p:nvSpPr>
+          <p:cNvPr id="3" name="Content Placeholder 2">
+            <a:extLst>
+              <a:ext uri="{FF2B5EF4-FFF2-40B4-BE49-F238E27FC236}">
+                <a16:creationId xmlns:a16="http://schemas.microsoft.com/office/drawing/2014/main" id="{64F42D58-57FC-4A61-A954-87FA5DD4768E}"/>
+              </a:ext>
+            </a:extLst>
+          </p:cNvPr>
+          <p:cNvSpPr>
+            <a:spLocks noGrp="1"/>
+          </p:cNvSpPr>
+          <p:nvPr>
+            <p:ph idx="1"/>
+          </p:nvPr>
+        </p:nvSpPr>
+        <p:spPr/>
+        <p:txBody>
+          <a:bodyPr/>
+          <a:lstStyle/>
+          <a:p>
+            <a:pPr lvl="0" marL="0" indent="0">
+              <a:buNone/>
+            </a:pPr>
+            <a:r>
+              <a:rPr/>
+              <a:t>tibble(x=runif(100, 5, 10), y2=(x+sample(5:10, 100, replace = T))/2)</a:t>
+            </a:r>
+          </a:p>
+          <a:p>
+            <a:pPr lvl="0" marL="0" indent="0">
+              <a:buNone/>
+            </a:pPr>
+            <a:r>
+              <a:rPr/>
+              <a:t>%&gt;% ggplot(aes(x,y2)) + geom_point()</a:t>
+            </a:r>
+          </a:p>
+        </p:txBody>
+      </p:sp>
     </p:spTree>
   </p:cSld>
 </p:sld>
